--- a/PresentationCab.pptx
+++ b/PresentationCab.pptx
@@ -131,14 +131,6 @@
     </p:ext>
   </p:extLst>
 </p:presentation>
-</file>
-
-<file path=ppt/revisionInfo.xml><?xml version="1.0" encoding="utf-8"?>
-<p1510:revInfo xmlns:a="http://schemas.openxmlformats.org/drawingml/2006/main" xmlns:r="http://schemas.openxmlformats.org/officeDocument/2006/relationships" xmlns:p1510="http://schemas.microsoft.com/office/powerpoint/2015/10/main">
-  <p1510:revLst>
-    <p1510:client id="{36E0061F-BFDE-7175-2EDA-F472504290F4}" v="789" dt="2020-12-24T05:43:13.363"/>
-  </p1510:revLst>
-</p1510:revInfo>
 </file>
 
 <file path=ppt/slideLayouts/slideLayout1.xml><?xml version="1.0" encoding="utf-8"?>
@@ -3039,7 +3031,7 @@
         <p:spPr>
           <a:xfrm>
             <a:off x="870857" y="2380343"/>
-            <a:ext cx="8873711" cy="2769989"/>
+            <a:ext cx="8873711" cy="3200876"/>
           </a:xfrm>
           <a:prstGeom prst="rect">
             <a:avLst/>
@@ -3076,6 +3068,12 @@
             <a:r>
               <a:rPr lang="en-US" sz="2800" b="1" dirty="0"/>
               <a:t>15/3/2021</a:t>
+            </a:r>
+          </a:p>
+          <a:p>
+            <a:r>
+              <a:rPr lang="en-US" sz="2800" b="1" dirty="0"/>
+              <a:t>Erik Perez</a:t>
             </a:r>
           </a:p>
         </p:txBody>

--- a/PresentationCab.pptx
+++ b/PresentationCab.pptx
@@ -3072,9 +3072,10 @@
           </a:p>
           <a:p>
             <a:r>
-              <a:rPr lang="en-US" sz="2800" b="1" dirty="0"/>
+              <a:rPr lang="en-US" sz="2800" b="1"/>
               <a:t>Erik Perez</a:t>
             </a:r>
+            <a:endParaRPr lang="en-US" sz="2800" b="1" dirty="0"/>
           </a:p>
         </p:txBody>
       </p:sp>

--- a/PresentationCab.pptx
+++ b/PresentationCab.pptx
@@ -3031,7 +3031,7 @@
         <p:spPr>
           <a:xfrm>
             <a:off x="870857" y="2380343"/>
-            <a:ext cx="8873711" cy="3200876"/>
+            <a:ext cx="8873711" cy="4062651"/>
           </a:xfrm>
           <a:prstGeom prst="rect">
             <a:avLst/>
@@ -3067,15 +3067,26 @@
           <a:p>
             <a:r>
               <a:rPr lang="en-US" sz="2800" b="1" dirty="0"/>
-              <a:t>15/3/2021</a:t>
-            </a:r>
-          </a:p>
-          <a:p>
-            <a:r>
-              <a:rPr lang="en-US" sz="2800" b="1"/>
-              <a:t>Erik Perez</a:t>
-            </a:r>
-            <a:endParaRPr lang="en-US" sz="2800" b="1" dirty="0"/>
+              <a:t>Name: Erik Perez</a:t>
+            </a:r>
+          </a:p>
+          <a:p>
+            <a:r>
+              <a:rPr lang="en-US" sz="2800" b="1" dirty="0"/>
+              <a:t>Location: Peru</a:t>
+            </a:r>
+          </a:p>
+          <a:p>
+            <a:r>
+              <a:rPr lang="en-US" sz="2800" b="1" dirty="0"/>
+              <a:t>Team: Data Science</a:t>
+            </a:r>
+          </a:p>
+          <a:p>
+            <a:r>
+              <a:rPr lang="en-US" sz="2800" b="1" dirty="0"/>
+              <a:t>Date: 15/3/2021</a:t>
+            </a:r>
           </a:p>
         </p:txBody>
       </p:sp>

--- a/PresentationCab.pptx
+++ b/PresentationCab.pptx
@@ -26,7 +26,7 @@
     <p:sldId id="286" r:id="rId20"/>
     <p:sldId id="287" r:id="rId21"/>
     <p:sldId id="289" r:id="rId22"/>
-    <p:sldId id="268" r:id="rId23"/>
+    <p:sldId id="290" r:id="rId23"/>
   </p:sldIdLst>
   <p:sldSz cx="12192000" cy="6858000"/>
   <p:notesSz cx="6858000" cy="9144000"/>
@@ -262,7 +262,7 @@
           <a:p>
             <a:fld id="{C764DE79-268F-4C1A-8933-263129D2AF90}" type="datetimeFigureOut">
               <a:rPr lang="en-US" dirty="0"/>
-              <a:t>3/16/2021</a:t>
+              <a:t>3/19/2021</a:t>
             </a:fld>
             <a:endParaRPr lang="en-US"/>
           </a:p>
@@ -430,7 +430,7 @@
           <a:p>
             <a:fld id="{C764DE79-268F-4C1A-8933-263129D2AF90}" type="datetimeFigureOut">
               <a:rPr lang="en-US" dirty="0"/>
-              <a:t>3/16/2021</a:t>
+              <a:t>3/19/2021</a:t>
             </a:fld>
             <a:endParaRPr lang="en-US"/>
           </a:p>
@@ -608,7 +608,7 @@
           <a:p>
             <a:fld id="{C764DE79-268F-4C1A-8933-263129D2AF90}" type="datetimeFigureOut">
               <a:rPr lang="en-US" dirty="0"/>
-              <a:t>3/16/2021</a:t>
+              <a:t>3/19/2021</a:t>
             </a:fld>
             <a:endParaRPr lang="en-US"/>
           </a:p>
@@ -776,7 +776,7 @@
           <a:p>
             <a:fld id="{C764DE79-268F-4C1A-8933-263129D2AF90}" type="datetimeFigureOut">
               <a:rPr lang="en-US" dirty="0"/>
-              <a:t>3/16/2021</a:t>
+              <a:t>3/19/2021</a:t>
             </a:fld>
             <a:endParaRPr lang="en-US"/>
           </a:p>
@@ -1021,7 +1021,7 @@
           <a:p>
             <a:fld id="{C764DE79-268F-4C1A-8933-263129D2AF90}" type="datetimeFigureOut">
               <a:rPr lang="en-US" dirty="0"/>
-              <a:t>3/16/2021</a:t>
+              <a:t>3/19/2021</a:t>
             </a:fld>
             <a:endParaRPr lang="en-US"/>
           </a:p>
@@ -1250,7 +1250,7 @@
           <a:p>
             <a:fld id="{C764DE79-268F-4C1A-8933-263129D2AF90}" type="datetimeFigureOut">
               <a:rPr lang="en-US" dirty="0"/>
-              <a:t>3/16/2021</a:t>
+              <a:t>3/19/2021</a:t>
             </a:fld>
             <a:endParaRPr lang="en-US"/>
           </a:p>
@@ -1614,7 +1614,7 @@
           <a:p>
             <a:fld id="{C764DE79-268F-4C1A-8933-263129D2AF90}" type="datetimeFigureOut">
               <a:rPr lang="en-US" dirty="0"/>
-              <a:t>3/16/2021</a:t>
+              <a:t>3/19/2021</a:t>
             </a:fld>
             <a:endParaRPr lang="en-US"/>
           </a:p>
@@ -1731,7 +1731,7 @@
           <a:p>
             <a:fld id="{C764DE79-268F-4C1A-8933-263129D2AF90}" type="datetimeFigureOut">
               <a:rPr lang="en-US" dirty="0"/>
-              <a:t>3/16/2021</a:t>
+              <a:t>3/19/2021</a:t>
             </a:fld>
             <a:endParaRPr lang="en-US"/>
           </a:p>
@@ -1826,7 +1826,7 @@
           <a:p>
             <a:fld id="{C764DE79-268F-4C1A-8933-263129D2AF90}" type="datetimeFigureOut">
               <a:rPr lang="en-US" dirty="0"/>
-              <a:t>3/16/2021</a:t>
+              <a:t>3/19/2021</a:t>
             </a:fld>
             <a:endParaRPr lang="en-US"/>
           </a:p>
@@ -2101,7 +2101,7 @@
           <a:p>
             <a:fld id="{C764DE79-268F-4C1A-8933-263129D2AF90}" type="datetimeFigureOut">
               <a:rPr lang="en-US" dirty="0"/>
-              <a:t>3/16/2021</a:t>
+              <a:t>3/19/2021</a:t>
             </a:fld>
             <a:endParaRPr lang="en-US"/>
           </a:p>
@@ -2356,7 +2356,7 @@
           <a:p>
             <a:fld id="{C764DE79-268F-4C1A-8933-263129D2AF90}" type="datetimeFigureOut">
               <a:rPr lang="en-US" dirty="0"/>
-              <a:t>3/16/2021</a:t>
+              <a:t>3/19/2021</a:t>
             </a:fld>
             <a:endParaRPr lang="en-US"/>
           </a:p>
@@ -2567,7 +2567,7 @@
           <a:p>
             <a:fld id="{C764DE79-268F-4C1A-8933-263129D2AF90}" type="datetimeFigureOut">
               <a:rPr lang="en-US" dirty="0"/>
-              <a:t>3/16/2021</a:t>
+              <a:t>3/19/2021</a:t>
             </a:fld>
             <a:endParaRPr lang="en-US"/>
           </a:p>
@@ -6371,7 +6371,7 @@
           <p:cNvPr id="2" name="Title 1">
             <a:extLst>
               <a:ext uri="{FF2B5EF4-FFF2-40B4-BE49-F238E27FC236}">
-                <a16:creationId xmlns:a16="http://schemas.microsoft.com/office/drawing/2014/main" id="{E8B8F26E-9345-4747-9094-972E38700A17}"/>
+                <a16:creationId xmlns:a16="http://schemas.microsoft.com/office/drawing/2014/main" id="{9DE4DA98-CF67-43DC-80FD-7DEF9D499A68}"/>
               </a:ext>
             </a:extLst>
           </p:cNvPr>
@@ -6379,23 +6379,151 @@
             <a:spLocks noGrp="1"/>
           </p:cNvSpPr>
           <p:nvPr>
-            <p:ph type="ctrTitle"/>
-          </p:nvPr>
+            <p:ph type="title"/>
+          </p:nvPr>
+        </p:nvSpPr>
+        <p:spPr/>
+        <p:txBody>
+          <a:bodyPr/>
+          <a:lstStyle/>
+          <a:p>
+            <a:endParaRPr lang="en-US"/>
+          </a:p>
+        </p:txBody>
+      </p:sp>
+      <p:sp>
+        <p:nvSpPr>
+          <p:cNvPr id="3" name="Content Placeholder 2">
+            <a:extLst>
+              <a:ext uri="{FF2B5EF4-FFF2-40B4-BE49-F238E27FC236}">
+                <a16:creationId xmlns:a16="http://schemas.microsoft.com/office/drawing/2014/main" id="{C9E09780-D061-4CC5-B3FB-22ECE1132631}"/>
+              </a:ext>
+            </a:extLst>
+          </p:cNvPr>
+          <p:cNvSpPr>
+            <a:spLocks noGrp="1"/>
+          </p:cNvSpPr>
+          <p:nvPr>
+            <p:ph idx="1"/>
+          </p:nvPr>
+        </p:nvSpPr>
+        <p:spPr/>
+        <p:txBody>
+          <a:bodyPr/>
+          <a:lstStyle/>
+          <a:p>
+            <a:endParaRPr lang="en-US"/>
+          </a:p>
+        </p:txBody>
+      </p:sp>
+      <p:sp>
+        <p:nvSpPr>
+          <p:cNvPr id="4" name="Rectangle 3">
+            <a:extLst>
+              <a:ext uri="{FF2B5EF4-FFF2-40B4-BE49-F238E27FC236}">
+                <a16:creationId xmlns:a16="http://schemas.microsoft.com/office/drawing/2014/main" id="{E080DF5E-4F60-4028-8368-641AE3CFE5FB}"/>
+              </a:ext>
+            </a:extLst>
+          </p:cNvPr>
+          <p:cNvSpPr/>
+          <p:nvPr/>
         </p:nvSpPr>
         <p:spPr>
-          <a:xfrm rot="5400000">
-            <a:off x="-562431" y="562430"/>
-            <a:ext cx="6858002" cy="5733142"/>
-          </a:xfrm>
+          <a:xfrm>
+            <a:off x="0" y="2746767"/>
+            <a:ext cx="12192000" cy="1364465"/>
+          </a:xfrm>
+          <a:prstGeom prst="rect">
+            <a:avLst/>
+          </a:prstGeom>
           <a:solidFill>
-            <a:srgbClr val="3B3B3B"/>
+            <a:schemeClr val="bg2">
+              <a:lumMod val="25000"/>
+            </a:schemeClr>
           </a:solidFill>
         </p:spPr>
-        <p:txBody>
-          <a:bodyPr vert="vert270" anchor="t" anchorCtr="0"/>
-          <a:lstStyle/>
-          <a:p>
-            <a:endParaRPr lang="en-US" b="1" dirty="0">
+        <p:style>
+          <a:lnRef idx="2">
+            <a:schemeClr val="accent1">
+              <a:shade val="50000"/>
+            </a:schemeClr>
+          </a:lnRef>
+          <a:fillRef idx="1">
+            <a:schemeClr val="accent1"/>
+          </a:fillRef>
+          <a:effectRef idx="0">
+            <a:schemeClr val="accent1"/>
+          </a:effectRef>
+          <a:fontRef idx="minor">
+            <a:schemeClr val="lt1"/>
+          </a:fontRef>
+        </p:style>
+        <p:txBody>
+          <a:bodyPr rtlCol="0" anchor="ctr"/>
+          <a:lstStyle/>
+          <a:p>
+            <a:pPr algn="ctr"/>
+            <a:endParaRPr lang="en-US" dirty="0"/>
+          </a:p>
+        </p:txBody>
+      </p:sp>
+      <p:sp>
+        <p:nvSpPr>
+          <p:cNvPr id="5" name="Title 1">
+            <a:extLst>
+              <a:ext uri="{FF2B5EF4-FFF2-40B4-BE49-F238E27FC236}">
+                <a16:creationId xmlns:a16="http://schemas.microsoft.com/office/drawing/2014/main" id="{D5B6179F-FD86-4A86-BA99-EAFAE2FD0F9E}"/>
+              </a:ext>
+            </a:extLst>
+          </p:cNvPr>
+          <p:cNvSpPr txBox="1">
+            <a:spLocks/>
+          </p:cNvSpPr>
+          <p:nvPr/>
+        </p:nvSpPr>
+        <p:spPr>
+          <a:xfrm>
+            <a:off x="634093" y="2766217"/>
+            <a:ext cx="10923814" cy="1325563"/>
+          </a:xfrm>
+          <a:prstGeom prst="rect">
+            <a:avLst/>
+          </a:prstGeom>
+        </p:spPr>
+        <p:txBody>
+          <a:bodyPr vert="horz" lIns="91440" tIns="45720" rIns="91440" bIns="45720" rtlCol="0" anchor="ctr">
+            <a:normAutofit/>
+          </a:bodyPr>
+          <a:lstStyle>
+            <a:lvl1pPr algn="l" defTabSz="914400" rtl="0" eaLnBrk="1" latinLnBrk="0" hangingPunct="1">
+              <a:lnSpc>
+                <a:spcPct val="90000"/>
+              </a:lnSpc>
+              <a:spcBef>
+                <a:spcPct val="0"/>
+              </a:spcBef>
+              <a:buNone/>
+              <a:defRPr sz="4400" kern="1200">
+                <a:solidFill>
+                  <a:schemeClr val="tx1"/>
+                </a:solidFill>
+                <a:latin typeface="+mj-lt"/>
+                <a:ea typeface="+mj-ea"/>
+                <a:cs typeface="+mj-cs"/>
+              </a:defRPr>
+            </a:lvl1pPr>
+          </a:lstStyle>
+          <a:p>
+            <a:pPr algn="ctr"/>
+            <a:r>
+              <a:rPr lang="en-US">
+                <a:solidFill>
+                  <a:schemeClr val="accent2"/>
+                </a:solidFill>
+              </a:rPr>
+              <a:t>THANKS</a:t>
+            </a:r>
+            <a:endParaRPr lang="en-US" dirty="0">
               <a:solidFill>
                 <a:srgbClr val="FF6600"/>
               </a:solidFill>
@@ -6403,92 +6531,10 @@
           </a:p>
         </p:txBody>
       </p:sp>
-      <p:pic>
-        <p:nvPicPr>
-          <p:cNvPr id="4" name="Picture 3">
-            <a:extLst>
-              <a:ext uri="{FF2B5EF4-FFF2-40B4-BE49-F238E27FC236}">
-                <a16:creationId xmlns:a16="http://schemas.microsoft.com/office/drawing/2014/main" id="{7A465064-0714-5743-882B-8875105A7023}"/>
-              </a:ext>
-            </a:extLst>
-          </p:cNvPr>
-          <p:cNvPicPr>
-            <a:picLocks noChangeAspect="1"/>
-          </p:cNvPicPr>
-          <p:nvPr/>
-        </p:nvPicPr>
-        <p:blipFill>
-          <a:blip r:embed="rId2" cstate="print">
-            <a:extLst>
-              <a:ext uri="{28A0092B-C50C-407E-A947-70E740481C1C}">
-                <a14:useLocalDpi xmlns:a14="http://schemas.microsoft.com/office/drawing/2010/main" val="0"/>
-              </a:ext>
-            </a:extLst>
-          </a:blip>
-          <a:stretch>
-            <a:fillRect/>
-          </a:stretch>
-        </p:blipFill>
-        <p:spPr>
-          <a:xfrm>
-            <a:off x="0" y="5863771"/>
-            <a:ext cx="1654627" cy="994232"/>
-          </a:xfrm>
-          <a:prstGeom prst="rect">
-            <a:avLst/>
-          </a:prstGeom>
-        </p:spPr>
-      </p:pic>
-      <p:sp>
-        <p:nvSpPr>
-          <p:cNvPr id="6" name="Subtitle 5">
-            <a:extLst>
-              <a:ext uri="{FF2B5EF4-FFF2-40B4-BE49-F238E27FC236}">
-                <a16:creationId xmlns:a16="http://schemas.microsoft.com/office/drawing/2014/main" id="{2D4BA697-580E-5544-8F2F-194AD99B859F}"/>
-              </a:ext>
-            </a:extLst>
-          </p:cNvPr>
-          <p:cNvSpPr>
-            <a:spLocks noGrp="1"/>
-          </p:cNvSpPr>
-          <p:nvPr>
-            <p:ph type="subTitle" idx="1"/>
-          </p:nvPr>
-        </p:nvSpPr>
-        <p:spPr>
-          <a:xfrm>
-            <a:off x="5152570" y="2481943"/>
-            <a:ext cx="5558973" cy="1655762"/>
-          </a:xfrm>
-        </p:spPr>
-        <p:txBody>
-          <a:bodyPr>
-            <a:normAutofit/>
-          </a:bodyPr>
-          <a:lstStyle/>
-          <a:p>
-            <a:r>
-              <a:rPr lang="en-US" sz="6600" dirty="0">
-                <a:solidFill>
-                  <a:srgbClr val="FF6600"/>
-                </a:solidFill>
-              </a:rPr>
-              <a:t>Thank You</a:t>
-            </a:r>
-          </a:p>
-          <a:p>
-            <a:endParaRPr lang="en-US" sz="6600" dirty="0">
-              <a:solidFill>
-                <a:srgbClr val="FF6600"/>
-              </a:solidFill>
-            </a:endParaRPr>
-          </a:p>
-        </p:txBody>
-      </p:sp>
     </p:spTree>
     <p:extLst>
       <p:ext uri="{BB962C8B-B14F-4D97-AF65-F5344CB8AC3E}">
-        <p14:creationId xmlns:p14="http://schemas.microsoft.com/office/powerpoint/2010/main" val="116821060"/>
+        <p14:creationId xmlns:p14="http://schemas.microsoft.com/office/powerpoint/2010/main" val="2065755428"/>
       </p:ext>
     </p:extLst>
   </p:cSld>
@@ -6647,3732 +6693,42 @@
               </a:rPr>
               <a:t>359392</a:t>
             </a:r>
-            <a:endParaRPr lang="en-US" sz="2200" dirty="0"/>
-          </a:p>
-        </p:txBody>
-      </p:sp>
-      <p:grpSp>
-        <p:nvGrpSpPr>
-          <p:cNvPr id="5" name="Group 4">
-            <a:extLst>
-              <a:ext uri="{FF2B5EF4-FFF2-40B4-BE49-F238E27FC236}">
-                <a16:creationId xmlns:a16="http://schemas.microsoft.com/office/drawing/2014/main" id="{41B2D99F-6683-4755-B866-100F607ECD6D}"/>
-              </a:ext>
-            </a:extLst>
-          </p:cNvPr>
-          <p:cNvGrpSpPr/>
-          <p:nvPr/>
-        </p:nvGrpSpPr>
-        <p:grpSpPr>
-          <a:xfrm>
-            <a:off x="3024764" y="3538942"/>
-            <a:ext cx="5990072" cy="2545492"/>
-            <a:chOff x="5536376" y="1858363"/>
-            <a:chExt cx="6407827" cy="3381431"/>
-          </a:xfrm>
-        </p:grpSpPr>
-        <p:grpSp>
-          <p:nvGrpSpPr>
-            <p:cNvPr id="6" name="Group 5">
-              <a:extLst>
-                <a:ext uri="{FF2B5EF4-FFF2-40B4-BE49-F238E27FC236}">
-                  <a16:creationId xmlns:a16="http://schemas.microsoft.com/office/drawing/2014/main" id="{4B13D781-258D-47A2-8B6F-5C4BD2B4F471}"/>
-                </a:ext>
-              </a:extLst>
-            </p:cNvPr>
-            <p:cNvGrpSpPr/>
-            <p:nvPr/>
-          </p:nvGrpSpPr>
-          <p:grpSpPr>
-            <a:xfrm>
-              <a:off x="5536376" y="1858363"/>
-              <a:ext cx="5168575" cy="3381431"/>
-              <a:chOff x="1702411" y="3452991"/>
-              <a:chExt cx="5168575" cy="3823312"/>
-            </a:xfrm>
-          </p:grpSpPr>
-          <p:grpSp>
-            <p:nvGrpSpPr>
-              <p:cNvPr id="10" name="Group 9">
-                <a:extLst>
-                  <a:ext uri="{FF2B5EF4-FFF2-40B4-BE49-F238E27FC236}">
-                    <a16:creationId xmlns:a16="http://schemas.microsoft.com/office/drawing/2014/main" id="{16DDB883-BF6B-4A2F-8621-6EFEABD6856A}"/>
-                  </a:ext>
-                </a:extLst>
-              </p:cNvPr>
-              <p:cNvGrpSpPr/>
-              <p:nvPr/>
-            </p:nvGrpSpPr>
-            <p:grpSpPr>
-              <a:xfrm>
-                <a:off x="1702411" y="3452991"/>
-                <a:ext cx="5168575" cy="1602250"/>
-                <a:chOff x="1702411" y="4026102"/>
-                <a:chExt cx="5168575" cy="1602250"/>
-              </a:xfrm>
-            </p:grpSpPr>
-            <p:sp>
-              <p:nvSpPr>
-                <p:cNvPr id="17" name="Freeform 86">
-                  <a:extLst>
-                    <a:ext uri="{FF2B5EF4-FFF2-40B4-BE49-F238E27FC236}">
-                      <a16:creationId xmlns:a16="http://schemas.microsoft.com/office/drawing/2014/main" id="{F3B79C5F-234E-47A1-8402-F0BAA9A9912F}"/>
-                    </a:ext>
-                  </a:extLst>
-                </p:cNvPr>
-                <p:cNvSpPr>
-                  <a:spLocks noEditPoints="1"/>
-                </p:cNvSpPr>
-                <p:nvPr/>
-              </p:nvSpPr>
-              <p:spPr bwMode="auto">
-                <a:xfrm>
-                  <a:off x="6051395" y="4026103"/>
-                  <a:ext cx="662857" cy="926447"/>
-                </a:xfrm>
-                <a:custGeom>
-                  <a:avLst/>
-                  <a:gdLst>
-                    <a:gd name="T0" fmla="*/ 97 w 472"/>
-                    <a:gd name="T1" fmla="*/ 512 h 612"/>
-                    <a:gd name="T2" fmla="*/ 97 w 472"/>
-                    <a:gd name="T3" fmla="*/ 483 h 612"/>
-                    <a:gd name="T4" fmla="*/ 390 w 472"/>
-                    <a:gd name="T5" fmla="*/ 497 h 612"/>
-                    <a:gd name="T6" fmla="*/ 375 w 472"/>
-                    <a:gd name="T7" fmla="*/ 435 h 612"/>
-                    <a:gd name="T8" fmla="*/ 82 w 472"/>
-                    <a:gd name="T9" fmla="*/ 421 h 612"/>
-                    <a:gd name="T10" fmla="*/ 375 w 472"/>
-                    <a:gd name="T11" fmla="*/ 406 h 612"/>
-                    <a:gd name="T12" fmla="*/ 375 w 472"/>
-                    <a:gd name="T13" fmla="*/ 435 h 612"/>
-                    <a:gd name="T14" fmla="*/ 97 w 472"/>
-                    <a:gd name="T15" fmla="*/ 359 h 612"/>
-                    <a:gd name="T16" fmla="*/ 97 w 472"/>
-                    <a:gd name="T17" fmla="*/ 330 h 612"/>
-                    <a:gd name="T18" fmla="*/ 390 w 472"/>
-                    <a:gd name="T19" fmla="*/ 344 h 612"/>
-                    <a:gd name="T20" fmla="*/ 375 w 472"/>
-                    <a:gd name="T21" fmla="*/ 282 h 612"/>
-                    <a:gd name="T22" fmla="*/ 82 w 472"/>
-                    <a:gd name="T23" fmla="*/ 268 h 612"/>
-                    <a:gd name="T24" fmla="*/ 375 w 472"/>
-                    <a:gd name="T25" fmla="*/ 254 h 612"/>
-                    <a:gd name="T26" fmla="*/ 375 w 472"/>
-                    <a:gd name="T27" fmla="*/ 282 h 612"/>
-                    <a:gd name="T28" fmla="*/ 97 w 472"/>
-                    <a:gd name="T29" fmla="*/ 206 h 612"/>
-                    <a:gd name="T30" fmla="*/ 97 w 472"/>
-                    <a:gd name="T31" fmla="*/ 177 h 612"/>
-                    <a:gd name="T32" fmla="*/ 260 w 472"/>
-                    <a:gd name="T33" fmla="*/ 191 h 612"/>
-                    <a:gd name="T34" fmla="*/ 246 w 472"/>
-                    <a:gd name="T35" fmla="*/ 129 h 612"/>
-                    <a:gd name="T36" fmla="*/ 82 w 472"/>
-                    <a:gd name="T37" fmla="*/ 115 h 612"/>
-                    <a:gd name="T38" fmla="*/ 246 w 472"/>
-                    <a:gd name="T39" fmla="*/ 101 h 612"/>
-                    <a:gd name="T40" fmla="*/ 246 w 472"/>
-                    <a:gd name="T41" fmla="*/ 129 h 612"/>
-                    <a:gd name="T42" fmla="*/ 0 w 472"/>
-                    <a:gd name="T43" fmla="*/ 585 h 612"/>
-                    <a:gd name="T44" fmla="*/ 27 w 472"/>
-                    <a:gd name="T45" fmla="*/ 0 h 612"/>
-                    <a:gd name="T46" fmla="*/ 346 w 472"/>
-                    <a:gd name="T47" fmla="*/ 22 h 612"/>
-                    <a:gd name="T48" fmla="*/ 472 w 472"/>
-                    <a:gd name="T49" fmla="*/ 179 h 612"/>
-                    <a:gd name="T50" fmla="*/ 445 w 472"/>
-                    <a:gd name="T51" fmla="*/ 612 h 612"/>
-                    <a:gd name="T52" fmla="*/ 75 w 472"/>
-                    <a:gd name="T53" fmla="*/ 35 h 612"/>
-                    <a:gd name="T54" fmla="*/ 35 w 472"/>
-                    <a:gd name="T55" fmla="*/ 537 h 612"/>
-                    <a:gd name="T56" fmla="*/ 397 w 472"/>
-                    <a:gd name="T57" fmla="*/ 578 h 612"/>
-                    <a:gd name="T58" fmla="*/ 437 w 472"/>
-                    <a:gd name="T59" fmla="*/ 201 h 612"/>
-                    <a:gd name="T60" fmla="*/ 332 w 472"/>
-                    <a:gd name="T61" fmla="*/ 161 h 612"/>
-                    <a:gd name="T62" fmla="*/ 304 w 472"/>
-                    <a:gd name="T63" fmla="*/ 75 h 612"/>
-                    <a:gd name="T64" fmla="*/ 75 w 472"/>
-                    <a:gd name="T65" fmla="*/ 35 h 612"/>
-                  </a:gdLst>
-                  <a:ahLst/>
-                  <a:cxnLst>
-                    <a:cxn ang="0">
-                      <a:pos x="T0" y="T1"/>
-                    </a:cxn>
-                    <a:cxn ang="0">
-                      <a:pos x="T2" y="T3"/>
-                    </a:cxn>
-                    <a:cxn ang="0">
-                      <a:pos x="T4" y="T5"/>
-                    </a:cxn>
-                    <a:cxn ang="0">
-                      <a:pos x="T6" y="T7"/>
-                    </a:cxn>
-                    <a:cxn ang="0">
-                      <a:pos x="T8" y="T9"/>
-                    </a:cxn>
-                    <a:cxn ang="0">
-                      <a:pos x="T10" y="T11"/>
-                    </a:cxn>
-                    <a:cxn ang="0">
-                      <a:pos x="T12" y="T13"/>
-                    </a:cxn>
-                    <a:cxn ang="0">
-                      <a:pos x="T14" y="T15"/>
-                    </a:cxn>
-                    <a:cxn ang="0">
-                      <a:pos x="T16" y="T17"/>
-                    </a:cxn>
-                    <a:cxn ang="0">
-                      <a:pos x="T18" y="T19"/>
-                    </a:cxn>
-                    <a:cxn ang="0">
-                      <a:pos x="T20" y="T21"/>
-                    </a:cxn>
-                    <a:cxn ang="0">
-                      <a:pos x="T22" y="T23"/>
-                    </a:cxn>
-                    <a:cxn ang="0">
-                      <a:pos x="T24" y="T25"/>
-                    </a:cxn>
-                    <a:cxn ang="0">
-                      <a:pos x="T26" y="T27"/>
-                    </a:cxn>
-                    <a:cxn ang="0">
-                      <a:pos x="T28" y="T29"/>
-                    </a:cxn>
-                    <a:cxn ang="0">
-                      <a:pos x="T30" y="T31"/>
-                    </a:cxn>
-                    <a:cxn ang="0">
-                      <a:pos x="T32" y="T33"/>
-                    </a:cxn>
-                    <a:cxn ang="0">
-                      <a:pos x="T34" y="T35"/>
-                    </a:cxn>
-                    <a:cxn ang="0">
-                      <a:pos x="T36" y="T37"/>
-                    </a:cxn>
-                    <a:cxn ang="0">
-                      <a:pos x="T38" y="T39"/>
-                    </a:cxn>
-                    <a:cxn ang="0">
-                      <a:pos x="T40" y="T41"/>
-                    </a:cxn>
-                    <a:cxn ang="0">
-                      <a:pos x="T42" y="T43"/>
-                    </a:cxn>
-                    <a:cxn ang="0">
-                      <a:pos x="T44" y="T45"/>
-                    </a:cxn>
-                    <a:cxn ang="0">
-                      <a:pos x="T46" y="T47"/>
-                    </a:cxn>
-                    <a:cxn ang="0">
-                      <a:pos x="T48" y="T49"/>
-                    </a:cxn>
-                    <a:cxn ang="0">
-                      <a:pos x="T50" y="T51"/>
-                    </a:cxn>
-                    <a:cxn ang="0">
-                      <a:pos x="T52" y="T53"/>
-                    </a:cxn>
-                    <a:cxn ang="0">
-                      <a:pos x="T54" y="T55"/>
-                    </a:cxn>
-                    <a:cxn ang="0">
-                      <a:pos x="T56" y="T57"/>
-                    </a:cxn>
-                    <a:cxn ang="0">
-                      <a:pos x="T58" y="T59"/>
-                    </a:cxn>
-                    <a:cxn ang="0">
-                      <a:pos x="T60" y="T61"/>
-                    </a:cxn>
-                    <a:cxn ang="0">
-                      <a:pos x="T62" y="T63"/>
-                    </a:cxn>
-                    <a:cxn ang="0">
-                      <a:pos x="T64" y="T65"/>
-                    </a:cxn>
-                  </a:cxnLst>
-                  <a:rect l="0" t="0" r="r" b="b"/>
-                  <a:pathLst>
-                    <a:path w="472" h="612">
-                      <a:moveTo>
-                        <a:pt x="375" y="512"/>
-                      </a:moveTo>
-                      <a:cubicBezTo>
-                        <a:pt x="97" y="512"/>
-                        <a:pt x="97" y="512"/>
-                        <a:pt x="97" y="512"/>
-                      </a:cubicBezTo>
-                      <a:cubicBezTo>
-                        <a:pt x="89" y="512"/>
-                        <a:pt x="82" y="505"/>
-                        <a:pt x="82" y="497"/>
-                      </a:cubicBezTo>
-                      <a:cubicBezTo>
-                        <a:pt x="82" y="489"/>
-                        <a:pt x="89" y="483"/>
-                        <a:pt x="97" y="483"/>
-                      </a:cubicBezTo>
-                      <a:cubicBezTo>
-                        <a:pt x="375" y="483"/>
-                        <a:pt x="375" y="483"/>
-                        <a:pt x="375" y="483"/>
-                      </a:cubicBezTo>
-                      <a:cubicBezTo>
-                        <a:pt x="383" y="483"/>
-                        <a:pt x="390" y="489"/>
-                        <a:pt x="390" y="497"/>
-                      </a:cubicBezTo>
-                      <a:cubicBezTo>
-                        <a:pt x="390" y="505"/>
-                        <a:pt x="383" y="512"/>
-                        <a:pt x="375" y="512"/>
-                      </a:cubicBezTo>
-                      <a:close/>
-                      <a:moveTo>
-                        <a:pt x="375" y="435"/>
-                      </a:moveTo>
-                      <a:cubicBezTo>
-                        <a:pt x="97" y="435"/>
-                        <a:pt x="97" y="435"/>
-                        <a:pt x="97" y="435"/>
-                      </a:cubicBezTo>
-                      <a:cubicBezTo>
-                        <a:pt x="89" y="435"/>
-                        <a:pt x="82" y="429"/>
-                        <a:pt x="82" y="421"/>
-                      </a:cubicBezTo>
-                      <a:cubicBezTo>
-                        <a:pt x="82" y="413"/>
-                        <a:pt x="89" y="406"/>
-                        <a:pt x="97" y="406"/>
-                      </a:cubicBezTo>
-                      <a:cubicBezTo>
-                        <a:pt x="375" y="406"/>
-                        <a:pt x="375" y="406"/>
-                        <a:pt x="375" y="406"/>
-                      </a:cubicBezTo>
-                      <a:cubicBezTo>
-                        <a:pt x="383" y="406"/>
-                        <a:pt x="390" y="413"/>
-                        <a:pt x="390" y="421"/>
-                      </a:cubicBezTo>
-                      <a:cubicBezTo>
-                        <a:pt x="390" y="429"/>
-                        <a:pt x="383" y="435"/>
-                        <a:pt x="375" y="435"/>
-                      </a:cubicBezTo>
-                      <a:close/>
-                      <a:moveTo>
-                        <a:pt x="375" y="359"/>
-                      </a:moveTo>
-                      <a:cubicBezTo>
-                        <a:pt x="97" y="359"/>
-                        <a:pt x="97" y="359"/>
-                        <a:pt x="97" y="359"/>
-                      </a:cubicBezTo>
-                      <a:cubicBezTo>
-                        <a:pt x="89" y="359"/>
-                        <a:pt x="82" y="352"/>
-                        <a:pt x="82" y="344"/>
-                      </a:cubicBezTo>
-                      <a:cubicBezTo>
-                        <a:pt x="82" y="336"/>
-                        <a:pt x="89" y="330"/>
-                        <a:pt x="97" y="330"/>
-                      </a:cubicBezTo>
-                      <a:cubicBezTo>
-                        <a:pt x="375" y="330"/>
-                        <a:pt x="375" y="330"/>
-                        <a:pt x="375" y="330"/>
-                      </a:cubicBezTo>
-                      <a:cubicBezTo>
-                        <a:pt x="383" y="330"/>
-                        <a:pt x="390" y="336"/>
-                        <a:pt x="390" y="344"/>
-                      </a:cubicBezTo>
-                      <a:cubicBezTo>
-                        <a:pt x="390" y="352"/>
-                        <a:pt x="383" y="359"/>
-                        <a:pt x="375" y="359"/>
-                      </a:cubicBezTo>
-                      <a:close/>
-                      <a:moveTo>
-                        <a:pt x="375" y="282"/>
-                      </a:moveTo>
-                      <a:cubicBezTo>
-                        <a:pt x="97" y="282"/>
-                        <a:pt x="97" y="282"/>
-                        <a:pt x="97" y="282"/>
-                      </a:cubicBezTo>
-                      <a:cubicBezTo>
-                        <a:pt x="89" y="282"/>
-                        <a:pt x="82" y="276"/>
-                        <a:pt x="82" y="268"/>
-                      </a:cubicBezTo>
-                      <a:cubicBezTo>
-                        <a:pt x="82" y="260"/>
-                        <a:pt x="89" y="254"/>
-                        <a:pt x="97" y="254"/>
-                      </a:cubicBezTo>
-                      <a:cubicBezTo>
-                        <a:pt x="375" y="254"/>
-                        <a:pt x="375" y="254"/>
-                        <a:pt x="375" y="254"/>
-                      </a:cubicBezTo>
-                      <a:cubicBezTo>
-                        <a:pt x="383" y="254"/>
-                        <a:pt x="390" y="260"/>
-                        <a:pt x="390" y="268"/>
-                      </a:cubicBezTo>
-                      <a:cubicBezTo>
-                        <a:pt x="390" y="276"/>
-                        <a:pt x="383" y="282"/>
-                        <a:pt x="375" y="282"/>
-                      </a:cubicBezTo>
-                      <a:close/>
-                      <a:moveTo>
-                        <a:pt x="246" y="206"/>
-                      </a:moveTo>
-                      <a:cubicBezTo>
-                        <a:pt x="97" y="206"/>
-                        <a:pt x="97" y="206"/>
-                        <a:pt x="97" y="206"/>
-                      </a:cubicBezTo>
-                      <a:cubicBezTo>
-                        <a:pt x="89" y="206"/>
-                        <a:pt x="82" y="199"/>
-                        <a:pt x="82" y="191"/>
-                      </a:cubicBezTo>
-                      <a:cubicBezTo>
-                        <a:pt x="82" y="183"/>
-                        <a:pt x="89" y="177"/>
-                        <a:pt x="97" y="177"/>
-                      </a:cubicBezTo>
-                      <a:cubicBezTo>
-                        <a:pt x="246" y="177"/>
-                        <a:pt x="246" y="177"/>
-                        <a:pt x="246" y="177"/>
-                      </a:cubicBezTo>
-                      <a:cubicBezTo>
-                        <a:pt x="254" y="177"/>
-                        <a:pt x="260" y="183"/>
-                        <a:pt x="260" y="191"/>
-                      </a:cubicBezTo>
-                      <a:cubicBezTo>
-                        <a:pt x="260" y="199"/>
-                        <a:pt x="254" y="206"/>
-                        <a:pt x="246" y="206"/>
-                      </a:cubicBezTo>
-                      <a:close/>
-                      <a:moveTo>
-                        <a:pt x="246" y="129"/>
-                      </a:moveTo>
-                      <a:cubicBezTo>
-                        <a:pt x="97" y="129"/>
-                        <a:pt x="97" y="129"/>
-                        <a:pt x="97" y="129"/>
-                      </a:cubicBezTo>
-                      <a:cubicBezTo>
-                        <a:pt x="89" y="129"/>
-                        <a:pt x="82" y="123"/>
-                        <a:pt x="82" y="115"/>
-                      </a:cubicBezTo>
-                      <a:cubicBezTo>
-                        <a:pt x="82" y="107"/>
-                        <a:pt x="89" y="101"/>
-                        <a:pt x="97" y="101"/>
-                      </a:cubicBezTo>
-                      <a:cubicBezTo>
-                        <a:pt x="246" y="101"/>
-                        <a:pt x="246" y="101"/>
-                        <a:pt x="246" y="101"/>
-                      </a:cubicBezTo>
-                      <a:cubicBezTo>
-                        <a:pt x="254" y="101"/>
-                        <a:pt x="260" y="107"/>
-                        <a:pt x="260" y="115"/>
-                      </a:cubicBezTo>
-                      <a:cubicBezTo>
-                        <a:pt x="260" y="123"/>
-                        <a:pt x="254" y="129"/>
-                        <a:pt x="246" y="129"/>
-                      </a:cubicBezTo>
-                      <a:close/>
-                      <a:moveTo>
-                        <a:pt x="27" y="612"/>
-                      </a:moveTo>
-                      <a:cubicBezTo>
-                        <a:pt x="12" y="612"/>
-                        <a:pt x="0" y="600"/>
-                        <a:pt x="0" y="585"/>
-                      </a:cubicBezTo>
-                      <a:cubicBezTo>
-                        <a:pt x="0" y="27"/>
-                        <a:pt x="0" y="27"/>
-                        <a:pt x="0" y="27"/>
-                      </a:cubicBezTo>
-                      <a:cubicBezTo>
-                        <a:pt x="0" y="12"/>
-                        <a:pt x="12" y="0"/>
-                        <a:pt x="27" y="0"/>
-                      </a:cubicBezTo>
-                      <a:cubicBezTo>
-                        <a:pt x="293" y="0"/>
-                        <a:pt x="293" y="0"/>
-                        <a:pt x="293" y="0"/>
-                      </a:cubicBezTo>
-                      <a:cubicBezTo>
-                        <a:pt x="310" y="0"/>
-                        <a:pt x="334" y="10"/>
-                        <a:pt x="346" y="22"/>
-                      </a:cubicBezTo>
-                      <a:cubicBezTo>
-                        <a:pt x="450" y="126"/>
-                        <a:pt x="450" y="126"/>
-                        <a:pt x="450" y="126"/>
-                      </a:cubicBezTo>
-                      <a:cubicBezTo>
-                        <a:pt x="462" y="138"/>
-                        <a:pt x="472" y="162"/>
-                        <a:pt x="472" y="179"/>
-                      </a:cubicBezTo>
-                      <a:cubicBezTo>
-                        <a:pt x="472" y="585"/>
-                        <a:pt x="472" y="585"/>
-                        <a:pt x="472" y="585"/>
-                      </a:cubicBezTo>
-                      <a:cubicBezTo>
-                        <a:pt x="472" y="600"/>
-                        <a:pt x="460" y="612"/>
-                        <a:pt x="445" y="612"/>
-                      </a:cubicBezTo>
-                      <a:lnTo>
-                        <a:pt x="27" y="612"/>
-                      </a:lnTo>
-                      <a:close/>
-                      <a:moveTo>
-                        <a:pt x="75" y="35"/>
-                      </a:moveTo>
-                      <a:cubicBezTo>
-                        <a:pt x="53" y="35"/>
-                        <a:pt x="35" y="53"/>
-                        <a:pt x="35" y="75"/>
-                      </a:cubicBezTo>
-                      <a:cubicBezTo>
-                        <a:pt x="35" y="537"/>
-                        <a:pt x="35" y="537"/>
-                        <a:pt x="35" y="537"/>
-                      </a:cubicBezTo>
-                      <a:cubicBezTo>
-                        <a:pt x="35" y="560"/>
-                        <a:pt x="53" y="578"/>
-                        <a:pt x="75" y="578"/>
-                      </a:cubicBezTo>
-                      <a:cubicBezTo>
-                        <a:pt x="397" y="578"/>
-                        <a:pt x="397" y="578"/>
-                        <a:pt x="397" y="578"/>
-                      </a:cubicBezTo>
-                      <a:cubicBezTo>
-                        <a:pt x="419" y="578"/>
-                        <a:pt x="437" y="560"/>
-                        <a:pt x="437" y="537"/>
-                      </a:cubicBezTo>
-                      <a:cubicBezTo>
-                        <a:pt x="437" y="201"/>
-                        <a:pt x="437" y="201"/>
-                        <a:pt x="437" y="201"/>
-                      </a:cubicBezTo>
-                      <a:cubicBezTo>
-                        <a:pt x="437" y="179"/>
-                        <a:pt x="419" y="161"/>
-                        <a:pt x="397" y="161"/>
-                      </a:cubicBezTo>
-                      <a:cubicBezTo>
-                        <a:pt x="332" y="161"/>
-                        <a:pt x="332" y="161"/>
-                        <a:pt x="332" y="161"/>
-                      </a:cubicBezTo>
-                      <a:cubicBezTo>
-                        <a:pt x="317" y="161"/>
-                        <a:pt x="304" y="149"/>
-                        <a:pt x="304" y="134"/>
-                      </a:cubicBezTo>
-                      <a:cubicBezTo>
-                        <a:pt x="304" y="75"/>
-                        <a:pt x="304" y="75"/>
-                        <a:pt x="304" y="75"/>
-                      </a:cubicBezTo>
-                      <a:cubicBezTo>
-                        <a:pt x="304" y="53"/>
-                        <a:pt x="286" y="35"/>
-                        <a:pt x="264" y="35"/>
-                      </a:cubicBezTo>
-                      <a:lnTo>
-                        <a:pt x="75" y="35"/>
-                      </a:lnTo>
-                      <a:close/>
-                    </a:path>
-                  </a:pathLst>
-                </a:custGeom>
-                <a:solidFill>
-                  <a:srgbClr val="000000"/>
-                </a:solidFill>
-                <a:ln>
-                  <a:noFill/>
-                </a:ln>
-                <a:extLst>
-                  <a:ext uri="{91240B29-F687-4F45-9708-019B960494DF}">
-                    <a14:hiddenLine xmlns:a14="http://schemas.microsoft.com/office/drawing/2010/main" w="9525">
-                      <a:solidFill>
-                        <a:srgbClr val="000000"/>
-                      </a:solidFill>
-                      <a:round/>
-                    </a14:hiddenLine>
-                  </a:ext>
-                </a:extLst>
-              </p:spPr>
-              <p:txBody>
-                <a:bodyPr vert="horz" wrap="square" lIns="91440" tIns="45720" rIns="91440" bIns="45720" numCol="1" anchor="t" anchorCtr="0" compatLnSpc="1"/>
-                <a:lstStyle/>
-                <a:p>
-                  <a:endParaRPr lang="en-US"/>
-                </a:p>
-              </p:txBody>
-            </p:sp>
-            <p:sp>
-              <p:nvSpPr>
-                <p:cNvPr id="18" name="Freeform 86">
-                  <a:extLst>
-                    <a:ext uri="{FF2B5EF4-FFF2-40B4-BE49-F238E27FC236}">
-                      <a16:creationId xmlns:a16="http://schemas.microsoft.com/office/drawing/2014/main" id="{B16D9E6B-6ADE-4B1E-8928-E7F64A4F73C6}"/>
-                    </a:ext>
-                  </a:extLst>
-                </p:cNvPr>
-                <p:cNvSpPr>
-                  <a:spLocks noEditPoints="1"/>
-                </p:cNvSpPr>
-                <p:nvPr/>
-              </p:nvSpPr>
-              <p:spPr bwMode="auto">
-                <a:xfrm>
-                  <a:off x="1961385" y="4026102"/>
-                  <a:ext cx="662857" cy="926447"/>
-                </a:xfrm>
-                <a:custGeom>
-                  <a:avLst/>
-                  <a:gdLst>
-                    <a:gd name="T0" fmla="*/ 97 w 472"/>
-                    <a:gd name="T1" fmla="*/ 512 h 612"/>
-                    <a:gd name="T2" fmla="*/ 97 w 472"/>
-                    <a:gd name="T3" fmla="*/ 483 h 612"/>
-                    <a:gd name="T4" fmla="*/ 390 w 472"/>
-                    <a:gd name="T5" fmla="*/ 497 h 612"/>
-                    <a:gd name="T6" fmla="*/ 375 w 472"/>
-                    <a:gd name="T7" fmla="*/ 435 h 612"/>
-                    <a:gd name="T8" fmla="*/ 82 w 472"/>
-                    <a:gd name="T9" fmla="*/ 421 h 612"/>
-                    <a:gd name="T10" fmla="*/ 375 w 472"/>
-                    <a:gd name="T11" fmla="*/ 406 h 612"/>
-                    <a:gd name="T12" fmla="*/ 375 w 472"/>
-                    <a:gd name="T13" fmla="*/ 435 h 612"/>
-                    <a:gd name="T14" fmla="*/ 97 w 472"/>
-                    <a:gd name="T15" fmla="*/ 359 h 612"/>
-                    <a:gd name="T16" fmla="*/ 97 w 472"/>
-                    <a:gd name="T17" fmla="*/ 330 h 612"/>
-                    <a:gd name="T18" fmla="*/ 390 w 472"/>
-                    <a:gd name="T19" fmla="*/ 344 h 612"/>
-                    <a:gd name="T20" fmla="*/ 375 w 472"/>
-                    <a:gd name="T21" fmla="*/ 282 h 612"/>
-                    <a:gd name="T22" fmla="*/ 82 w 472"/>
-                    <a:gd name="T23" fmla="*/ 268 h 612"/>
-                    <a:gd name="T24" fmla="*/ 375 w 472"/>
-                    <a:gd name="T25" fmla="*/ 254 h 612"/>
-                    <a:gd name="T26" fmla="*/ 375 w 472"/>
-                    <a:gd name="T27" fmla="*/ 282 h 612"/>
-                    <a:gd name="T28" fmla="*/ 97 w 472"/>
-                    <a:gd name="T29" fmla="*/ 206 h 612"/>
-                    <a:gd name="T30" fmla="*/ 97 w 472"/>
-                    <a:gd name="T31" fmla="*/ 177 h 612"/>
-                    <a:gd name="T32" fmla="*/ 260 w 472"/>
-                    <a:gd name="T33" fmla="*/ 191 h 612"/>
-                    <a:gd name="T34" fmla="*/ 246 w 472"/>
-                    <a:gd name="T35" fmla="*/ 129 h 612"/>
-                    <a:gd name="T36" fmla="*/ 82 w 472"/>
-                    <a:gd name="T37" fmla="*/ 115 h 612"/>
-                    <a:gd name="T38" fmla="*/ 246 w 472"/>
-                    <a:gd name="T39" fmla="*/ 101 h 612"/>
-                    <a:gd name="T40" fmla="*/ 246 w 472"/>
-                    <a:gd name="T41" fmla="*/ 129 h 612"/>
-                    <a:gd name="T42" fmla="*/ 0 w 472"/>
-                    <a:gd name="T43" fmla="*/ 585 h 612"/>
-                    <a:gd name="T44" fmla="*/ 27 w 472"/>
-                    <a:gd name="T45" fmla="*/ 0 h 612"/>
-                    <a:gd name="T46" fmla="*/ 346 w 472"/>
-                    <a:gd name="T47" fmla="*/ 22 h 612"/>
-                    <a:gd name="T48" fmla="*/ 472 w 472"/>
-                    <a:gd name="T49" fmla="*/ 179 h 612"/>
-                    <a:gd name="T50" fmla="*/ 445 w 472"/>
-                    <a:gd name="T51" fmla="*/ 612 h 612"/>
-                    <a:gd name="T52" fmla="*/ 75 w 472"/>
-                    <a:gd name="T53" fmla="*/ 35 h 612"/>
-                    <a:gd name="T54" fmla="*/ 35 w 472"/>
-                    <a:gd name="T55" fmla="*/ 537 h 612"/>
-                    <a:gd name="T56" fmla="*/ 397 w 472"/>
-                    <a:gd name="T57" fmla="*/ 578 h 612"/>
-                    <a:gd name="T58" fmla="*/ 437 w 472"/>
-                    <a:gd name="T59" fmla="*/ 201 h 612"/>
-                    <a:gd name="T60" fmla="*/ 332 w 472"/>
-                    <a:gd name="T61" fmla="*/ 161 h 612"/>
-                    <a:gd name="T62" fmla="*/ 304 w 472"/>
-                    <a:gd name="T63" fmla="*/ 75 h 612"/>
-                    <a:gd name="T64" fmla="*/ 75 w 472"/>
-                    <a:gd name="T65" fmla="*/ 35 h 612"/>
-                  </a:gdLst>
-                  <a:ahLst/>
-                  <a:cxnLst>
-                    <a:cxn ang="0">
-                      <a:pos x="T0" y="T1"/>
-                    </a:cxn>
-                    <a:cxn ang="0">
-                      <a:pos x="T2" y="T3"/>
-                    </a:cxn>
-                    <a:cxn ang="0">
-                      <a:pos x="T4" y="T5"/>
-                    </a:cxn>
-                    <a:cxn ang="0">
-                      <a:pos x="T6" y="T7"/>
-                    </a:cxn>
-                    <a:cxn ang="0">
-                      <a:pos x="T8" y="T9"/>
-                    </a:cxn>
-                    <a:cxn ang="0">
-                      <a:pos x="T10" y="T11"/>
-                    </a:cxn>
-                    <a:cxn ang="0">
-                      <a:pos x="T12" y="T13"/>
-                    </a:cxn>
-                    <a:cxn ang="0">
-                      <a:pos x="T14" y="T15"/>
-                    </a:cxn>
-                    <a:cxn ang="0">
-                      <a:pos x="T16" y="T17"/>
-                    </a:cxn>
-                    <a:cxn ang="0">
-                      <a:pos x="T18" y="T19"/>
-                    </a:cxn>
-                    <a:cxn ang="0">
-                      <a:pos x="T20" y="T21"/>
-                    </a:cxn>
-                    <a:cxn ang="0">
-                      <a:pos x="T22" y="T23"/>
-                    </a:cxn>
-                    <a:cxn ang="0">
-                      <a:pos x="T24" y="T25"/>
-                    </a:cxn>
-                    <a:cxn ang="0">
-                      <a:pos x="T26" y="T27"/>
-                    </a:cxn>
-                    <a:cxn ang="0">
-                      <a:pos x="T28" y="T29"/>
-                    </a:cxn>
-                    <a:cxn ang="0">
-                      <a:pos x="T30" y="T31"/>
-                    </a:cxn>
-                    <a:cxn ang="0">
-                      <a:pos x="T32" y="T33"/>
-                    </a:cxn>
-                    <a:cxn ang="0">
-                      <a:pos x="T34" y="T35"/>
-                    </a:cxn>
-                    <a:cxn ang="0">
-                      <a:pos x="T36" y="T37"/>
-                    </a:cxn>
-                    <a:cxn ang="0">
-                      <a:pos x="T38" y="T39"/>
-                    </a:cxn>
-                    <a:cxn ang="0">
-                      <a:pos x="T40" y="T41"/>
-                    </a:cxn>
-                    <a:cxn ang="0">
-                      <a:pos x="T42" y="T43"/>
-                    </a:cxn>
-                    <a:cxn ang="0">
-                      <a:pos x="T44" y="T45"/>
-                    </a:cxn>
-                    <a:cxn ang="0">
-                      <a:pos x="T46" y="T47"/>
-                    </a:cxn>
-                    <a:cxn ang="0">
-                      <a:pos x="T48" y="T49"/>
-                    </a:cxn>
-                    <a:cxn ang="0">
-                      <a:pos x="T50" y="T51"/>
-                    </a:cxn>
-                    <a:cxn ang="0">
-                      <a:pos x="T52" y="T53"/>
-                    </a:cxn>
-                    <a:cxn ang="0">
-                      <a:pos x="T54" y="T55"/>
-                    </a:cxn>
-                    <a:cxn ang="0">
-                      <a:pos x="T56" y="T57"/>
-                    </a:cxn>
-                    <a:cxn ang="0">
-                      <a:pos x="T58" y="T59"/>
-                    </a:cxn>
-                    <a:cxn ang="0">
-                      <a:pos x="T60" y="T61"/>
-                    </a:cxn>
-                    <a:cxn ang="0">
-                      <a:pos x="T62" y="T63"/>
-                    </a:cxn>
-                    <a:cxn ang="0">
-                      <a:pos x="T64" y="T65"/>
-                    </a:cxn>
-                  </a:cxnLst>
-                  <a:rect l="0" t="0" r="r" b="b"/>
-                  <a:pathLst>
-                    <a:path w="472" h="612">
-                      <a:moveTo>
-                        <a:pt x="375" y="512"/>
-                      </a:moveTo>
-                      <a:cubicBezTo>
-                        <a:pt x="97" y="512"/>
-                        <a:pt x="97" y="512"/>
-                        <a:pt x="97" y="512"/>
-                      </a:cubicBezTo>
-                      <a:cubicBezTo>
-                        <a:pt x="89" y="512"/>
-                        <a:pt x="82" y="505"/>
-                        <a:pt x="82" y="497"/>
-                      </a:cubicBezTo>
-                      <a:cubicBezTo>
-                        <a:pt x="82" y="489"/>
-                        <a:pt x="89" y="483"/>
-                        <a:pt x="97" y="483"/>
-                      </a:cubicBezTo>
-                      <a:cubicBezTo>
-                        <a:pt x="375" y="483"/>
-                        <a:pt x="375" y="483"/>
-                        <a:pt x="375" y="483"/>
-                      </a:cubicBezTo>
-                      <a:cubicBezTo>
-                        <a:pt x="383" y="483"/>
-                        <a:pt x="390" y="489"/>
-                        <a:pt x="390" y="497"/>
-                      </a:cubicBezTo>
-                      <a:cubicBezTo>
-                        <a:pt x="390" y="505"/>
-                        <a:pt x="383" y="512"/>
-                        <a:pt x="375" y="512"/>
-                      </a:cubicBezTo>
-                      <a:close/>
-                      <a:moveTo>
-                        <a:pt x="375" y="435"/>
-                      </a:moveTo>
-                      <a:cubicBezTo>
-                        <a:pt x="97" y="435"/>
-                        <a:pt x="97" y="435"/>
-                        <a:pt x="97" y="435"/>
-                      </a:cubicBezTo>
-                      <a:cubicBezTo>
-                        <a:pt x="89" y="435"/>
-                        <a:pt x="82" y="429"/>
-                        <a:pt x="82" y="421"/>
-                      </a:cubicBezTo>
-                      <a:cubicBezTo>
-                        <a:pt x="82" y="413"/>
-                        <a:pt x="89" y="406"/>
-                        <a:pt x="97" y="406"/>
-                      </a:cubicBezTo>
-                      <a:cubicBezTo>
-                        <a:pt x="375" y="406"/>
-                        <a:pt x="375" y="406"/>
-                        <a:pt x="375" y="406"/>
-                      </a:cubicBezTo>
-                      <a:cubicBezTo>
-                        <a:pt x="383" y="406"/>
-                        <a:pt x="390" y="413"/>
-                        <a:pt x="390" y="421"/>
-                      </a:cubicBezTo>
-                      <a:cubicBezTo>
-                        <a:pt x="390" y="429"/>
-                        <a:pt x="383" y="435"/>
-                        <a:pt x="375" y="435"/>
-                      </a:cubicBezTo>
-                      <a:close/>
-                      <a:moveTo>
-                        <a:pt x="375" y="359"/>
-                      </a:moveTo>
-                      <a:cubicBezTo>
-                        <a:pt x="97" y="359"/>
-                        <a:pt x="97" y="359"/>
-                        <a:pt x="97" y="359"/>
-                      </a:cubicBezTo>
-                      <a:cubicBezTo>
-                        <a:pt x="89" y="359"/>
-                        <a:pt x="82" y="352"/>
-                        <a:pt x="82" y="344"/>
-                      </a:cubicBezTo>
-                      <a:cubicBezTo>
-                        <a:pt x="82" y="336"/>
-                        <a:pt x="89" y="330"/>
-                        <a:pt x="97" y="330"/>
-                      </a:cubicBezTo>
-                      <a:cubicBezTo>
-                        <a:pt x="375" y="330"/>
-                        <a:pt x="375" y="330"/>
-                        <a:pt x="375" y="330"/>
-                      </a:cubicBezTo>
-                      <a:cubicBezTo>
-                        <a:pt x="383" y="330"/>
-                        <a:pt x="390" y="336"/>
-                        <a:pt x="390" y="344"/>
-                      </a:cubicBezTo>
-                      <a:cubicBezTo>
-                        <a:pt x="390" y="352"/>
-                        <a:pt x="383" y="359"/>
-                        <a:pt x="375" y="359"/>
-                      </a:cubicBezTo>
-                      <a:close/>
-                      <a:moveTo>
-                        <a:pt x="375" y="282"/>
-                      </a:moveTo>
-                      <a:cubicBezTo>
-                        <a:pt x="97" y="282"/>
-                        <a:pt x="97" y="282"/>
-                        <a:pt x="97" y="282"/>
-                      </a:cubicBezTo>
-                      <a:cubicBezTo>
-                        <a:pt x="89" y="282"/>
-                        <a:pt x="82" y="276"/>
-                        <a:pt x="82" y="268"/>
-                      </a:cubicBezTo>
-                      <a:cubicBezTo>
-                        <a:pt x="82" y="260"/>
-                        <a:pt x="89" y="254"/>
-                        <a:pt x="97" y="254"/>
-                      </a:cubicBezTo>
-                      <a:cubicBezTo>
-                        <a:pt x="375" y="254"/>
-                        <a:pt x="375" y="254"/>
-                        <a:pt x="375" y="254"/>
-                      </a:cubicBezTo>
-                      <a:cubicBezTo>
-                        <a:pt x="383" y="254"/>
-                        <a:pt x="390" y="260"/>
-                        <a:pt x="390" y="268"/>
-                      </a:cubicBezTo>
-                      <a:cubicBezTo>
-                        <a:pt x="390" y="276"/>
-                        <a:pt x="383" y="282"/>
-                        <a:pt x="375" y="282"/>
-                      </a:cubicBezTo>
-                      <a:close/>
-                      <a:moveTo>
-                        <a:pt x="246" y="206"/>
-                      </a:moveTo>
-                      <a:cubicBezTo>
-                        <a:pt x="97" y="206"/>
-                        <a:pt x="97" y="206"/>
-                        <a:pt x="97" y="206"/>
-                      </a:cubicBezTo>
-                      <a:cubicBezTo>
-                        <a:pt x="89" y="206"/>
-                        <a:pt x="82" y="199"/>
-                        <a:pt x="82" y="191"/>
-                      </a:cubicBezTo>
-                      <a:cubicBezTo>
-                        <a:pt x="82" y="183"/>
-                        <a:pt x="89" y="177"/>
-                        <a:pt x="97" y="177"/>
-                      </a:cubicBezTo>
-                      <a:cubicBezTo>
-                        <a:pt x="246" y="177"/>
-                        <a:pt x="246" y="177"/>
-                        <a:pt x="246" y="177"/>
-                      </a:cubicBezTo>
-                      <a:cubicBezTo>
-                        <a:pt x="254" y="177"/>
-                        <a:pt x="260" y="183"/>
-                        <a:pt x="260" y="191"/>
-                      </a:cubicBezTo>
-                      <a:cubicBezTo>
-                        <a:pt x="260" y="199"/>
-                        <a:pt x="254" y="206"/>
-                        <a:pt x="246" y="206"/>
-                      </a:cubicBezTo>
-                      <a:close/>
-                      <a:moveTo>
-                        <a:pt x="246" y="129"/>
-                      </a:moveTo>
-                      <a:cubicBezTo>
-                        <a:pt x="97" y="129"/>
-                        <a:pt x="97" y="129"/>
-                        <a:pt x="97" y="129"/>
-                      </a:cubicBezTo>
-                      <a:cubicBezTo>
-                        <a:pt x="89" y="129"/>
-                        <a:pt x="82" y="123"/>
-                        <a:pt x="82" y="115"/>
-                      </a:cubicBezTo>
-                      <a:cubicBezTo>
-                        <a:pt x="82" y="107"/>
-                        <a:pt x="89" y="101"/>
-                        <a:pt x="97" y="101"/>
-                      </a:cubicBezTo>
-                      <a:cubicBezTo>
-                        <a:pt x="246" y="101"/>
-                        <a:pt x="246" y="101"/>
-                        <a:pt x="246" y="101"/>
-                      </a:cubicBezTo>
-                      <a:cubicBezTo>
-                        <a:pt x="254" y="101"/>
-                        <a:pt x="260" y="107"/>
-                        <a:pt x="260" y="115"/>
-                      </a:cubicBezTo>
-                      <a:cubicBezTo>
-                        <a:pt x="260" y="123"/>
-                        <a:pt x="254" y="129"/>
-                        <a:pt x="246" y="129"/>
-                      </a:cubicBezTo>
-                      <a:close/>
-                      <a:moveTo>
-                        <a:pt x="27" y="612"/>
-                      </a:moveTo>
-                      <a:cubicBezTo>
-                        <a:pt x="12" y="612"/>
-                        <a:pt x="0" y="600"/>
-                        <a:pt x="0" y="585"/>
-                      </a:cubicBezTo>
-                      <a:cubicBezTo>
-                        <a:pt x="0" y="27"/>
-                        <a:pt x="0" y="27"/>
-                        <a:pt x="0" y="27"/>
-                      </a:cubicBezTo>
-                      <a:cubicBezTo>
-                        <a:pt x="0" y="12"/>
-                        <a:pt x="12" y="0"/>
-                        <a:pt x="27" y="0"/>
-                      </a:cubicBezTo>
-                      <a:cubicBezTo>
-                        <a:pt x="293" y="0"/>
-                        <a:pt x="293" y="0"/>
-                        <a:pt x="293" y="0"/>
-                      </a:cubicBezTo>
-                      <a:cubicBezTo>
-                        <a:pt x="310" y="0"/>
-                        <a:pt x="334" y="10"/>
-                        <a:pt x="346" y="22"/>
-                      </a:cubicBezTo>
-                      <a:cubicBezTo>
-                        <a:pt x="450" y="126"/>
-                        <a:pt x="450" y="126"/>
-                        <a:pt x="450" y="126"/>
-                      </a:cubicBezTo>
-                      <a:cubicBezTo>
-                        <a:pt x="462" y="138"/>
-                        <a:pt x="472" y="162"/>
-                        <a:pt x="472" y="179"/>
-                      </a:cubicBezTo>
-                      <a:cubicBezTo>
-                        <a:pt x="472" y="585"/>
-                        <a:pt x="472" y="585"/>
-                        <a:pt x="472" y="585"/>
-                      </a:cubicBezTo>
-                      <a:cubicBezTo>
-                        <a:pt x="472" y="600"/>
-                        <a:pt x="460" y="612"/>
-                        <a:pt x="445" y="612"/>
-                      </a:cubicBezTo>
-                      <a:lnTo>
-                        <a:pt x="27" y="612"/>
-                      </a:lnTo>
-                      <a:close/>
-                      <a:moveTo>
-                        <a:pt x="75" y="35"/>
-                      </a:moveTo>
-                      <a:cubicBezTo>
-                        <a:pt x="53" y="35"/>
-                        <a:pt x="35" y="53"/>
-                        <a:pt x="35" y="75"/>
-                      </a:cubicBezTo>
-                      <a:cubicBezTo>
-                        <a:pt x="35" y="537"/>
-                        <a:pt x="35" y="537"/>
-                        <a:pt x="35" y="537"/>
-                      </a:cubicBezTo>
-                      <a:cubicBezTo>
-                        <a:pt x="35" y="560"/>
-                        <a:pt x="53" y="578"/>
-                        <a:pt x="75" y="578"/>
-                      </a:cubicBezTo>
-                      <a:cubicBezTo>
-                        <a:pt x="397" y="578"/>
-                        <a:pt x="397" y="578"/>
-                        <a:pt x="397" y="578"/>
-                      </a:cubicBezTo>
-                      <a:cubicBezTo>
-                        <a:pt x="419" y="578"/>
-                        <a:pt x="437" y="560"/>
-                        <a:pt x="437" y="537"/>
-                      </a:cubicBezTo>
-                      <a:cubicBezTo>
-                        <a:pt x="437" y="201"/>
-                        <a:pt x="437" y="201"/>
-                        <a:pt x="437" y="201"/>
-                      </a:cubicBezTo>
-                      <a:cubicBezTo>
-                        <a:pt x="437" y="179"/>
-                        <a:pt x="419" y="161"/>
-                        <a:pt x="397" y="161"/>
-                      </a:cubicBezTo>
-                      <a:cubicBezTo>
-                        <a:pt x="332" y="161"/>
-                        <a:pt x="332" y="161"/>
-                        <a:pt x="332" y="161"/>
-                      </a:cubicBezTo>
-                      <a:cubicBezTo>
-                        <a:pt x="317" y="161"/>
-                        <a:pt x="304" y="149"/>
-                        <a:pt x="304" y="134"/>
-                      </a:cubicBezTo>
-                      <a:cubicBezTo>
-                        <a:pt x="304" y="75"/>
-                        <a:pt x="304" y="75"/>
-                        <a:pt x="304" y="75"/>
-                      </a:cubicBezTo>
-                      <a:cubicBezTo>
-                        <a:pt x="304" y="53"/>
-                        <a:pt x="286" y="35"/>
-                        <a:pt x="264" y="35"/>
-                      </a:cubicBezTo>
-                      <a:lnTo>
-                        <a:pt x="75" y="35"/>
-                      </a:lnTo>
-                      <a:close/>
-                    </a:path>
-                  </a:pathLst>
-                </a:custGeom>
-                <a:solidFill>
-                  <a:srgbClr val="000000"/>
-                </a:solidFill>
-                <a:ln>
-                  <a:noFill/>
-                </a:ln>
-                <a:extLst>
-                  <a:ext uri="{91240B29-F687-4F45-9708-019B960494DF}">
-                    <a14:hiddenLine xmlns:a14="http://schemas.microsoft.com/office/drawing/2010/main" w="9525">
-                      <a:solidFill>
-                        <a:srgbClr val="000000"/>
-                      </a:solidFill>
-                      <a:round/>
-                    </a14:hiddenLine>
-                  </a:ext>
-                </a:extLst>
-              </p:spPr>
-              <p:txBody>
-                <a:bodyPr vert="horz" wrap="square" lIns="91440" tIns="45720" rIns="91440" bIns="45720" numCol="1" anchor="t" anchorCtr="0" compatLnSpc="1"/>
-                <a:lstStyle/>
-                <a:p>
-                  <a:endParaRPr lang="en-US"/>
-                </a:p>
-              </p:txBody>
-            </p:sp>
-            <p:sp>
-              <p:nvSpPr>
-                <p:cNvPr id="19" name="Freeform 86">
-                  <a:extLst>
-                    <a:ext uri="{FF2B5EF4-FFF2-40B4-BE49-F238E27FC236}">
-                      <a16:creationId xmlns:a16="http://schemas.microsoft.com/office/drawing/2014/main" id="{D63001B8-38BD-4206-8C83-D9EA8B74322B}"/>
-                    </a:ext>
-                  </a:extLst>
-                </p:cNvPr>
-                <p:cNvSpPr>
-                  <a:spLocks noEditPoints="1"/>
-                </p:cNvSpPr>
-                <p:nvPr/>
-              </p:nvSpPr>
-              <p:spPr bwMode="auto">
-                <a:xfrm>
-                  <a:off x="3343118" y="4026102"/>
-                  <a:ext cx="662857" cy="926447"/>
-                </a:xfrm>
-                <a:custGeom>
-                  <a:avLst/>
-                  <a:gdLst>
-                    <a:gd name="T0" fmla="*/ 97 w 472"/>
-                    <a:gd name="T1" fmla="*/ 512 h 612"/>
-                    <a:gd name="T2" fmla="*/ 97 w 472"/>
-                    <a:gd name="T3" fmla="*/ 483 h 612"/>
-                    <a:gd name="T4" fmla="*/ 390 w 472"/>
-                    <a:gd name="T5" fmla="*/ 497 h 612"/>
-                    <a:gd name="T6" fmla="*/ 375 w 472"/>
-                    <a:gd name="T7" fmla="*/ 435 h 612"/>
-                    <a:gd name="T8" fmla="*/ 82 w 472"/>
-                    <a:gd name="T9" fmla="*/ 421 h 612"/>
-                    <a:gd name="T10" fmla="*/ 375 w 472"/>
-                    <a:gd name="T11" fmla="*/ 406 h 612"/>
-                    <a:gd name="T12" fmla="*/ 375 w 472"/>
-                    <a:gd name="T13" fmla="*/ 435 h 612"/>
-                    <a:gd name="T14" fmla="*/ 97 w 472"/>
-                    <a:gd name="T15" fmla="*/ 359 h 612"/>
-                    <a:gd name="T16" fmla="*/ 97 w 472"/>
-                    <a:gd name="T17" fmla="*/ 330 h 612"/>
-                    <a:gd name="T18" fmla="*/ 390 w 472"/>
-                    <a:gd name="T19" fmla="*/ 344 h 612"/>
-                    <a:gd name="T20" fmla="*/ 375 w 472"/>
-                    <a:gd name="T21" fmla="*/ 282 h 612"/>
-                    <a:gd name="T22" fmla="*/ 82 w 472"/>
-                    <a:gd name="T23" fmla="*/ 268 h 612"/>
-                    <a:gd name="T24" fmla="*/ 375 w 472"/>
-                    <a:gd name="T25" fmla="*/ 254 h 612"/>
-                    <a:gd name="T26" fmla="*/ 375 w 472"/>
-                    <a:gd name="T27" fmla="*/ 282 h 612"/>
-                    <a:gd name="T28" fmla="*/ 97 w 472"/>
-                    <a:gd name="T29" fmla="*/ 206 h 612"/>
-                    <a:gd name="T30" fmla="*/ 97 w 472"/>
-                    <a:gd name="T31" fmla="*/ 177 h 612"/>
-                    <a:gd name="T32" fmla="*/ 260 w 472"/>
-                    <a:gd name="T33" fmla="*/ 191 h 612"/>
-                    <a:gd name="T34" fmla="*/ 246 w 472"/>
-                    <a:gd name="T35" fmla="*/ 129 h 612"/>
-                    <a:gd name="T36" fmla="*/ 82 w 472"/>
-                    <a:gd name="T37" fmla="*/ 115 h 612"/>
-                    <a:gd name="T38" fmla="*/ 246 w 472"/>
-                    <a:gd name="T39" fmla="*/ 101 h 612"/>
-                    <a:gd name="T40" fmla="*/ 246 w 472"/>
-                    <a:gd name="T41" fmla="*/ 129 h 612"/>
-                    <a:gd name="T42" fmla="*/ 0 w 472"/>
-                    <a:gd name="T43" fmla="*/ 585 h 612"/>
-                    <a:gd name="T44" fmla="*/ 27 w 472"/>
-                    <a:gd name="T45" fmla="*/ 0 h 612"/>
-                    <a:gd name="T46" fmla="*/ 346 w 472"/>
-                    <a:gd name="T47" fmla="*/ 22 h 612"/>
-                    <a:gd name="T48" fmla="*/ 472 w 472"/>
-                    <a:gd name="T49" fmla="*/ 179 h 612"/>
-                    <a:gd name="T50" fmla="*/ 445 w 472"/>
-                    <a:gd name="T51" fmla="*/ 612 h 612"/>
-                    <a:gd name="T52" fmla="*/ 75 w 472"/>
-                    <a:gd name="T53" fmla="*/ 35 h 612"/>
-                    <a:gd name="T54" fmla="*/ 35 w 472"/>
-                    <a:gd name="T55" fmla="*/ 537 h 612"/>
-                    <a:gd name="T56" fmla="*/ 397 w 472"/>
-                    <a:gd name="T57" fmla="*/ 578 h 612"/>
-                    <a:gd name="T58" fmla="*/ 437 w 472"/>
-                    <a:gd name="T59" fmla="*/ 201 h 612"/>
-                    <a:gd name="T60" fmla="*/ 332 w 472"/>
-                    <a:gd name="T61" fmla="*/ 161 h 612"/>
-                    <a:gd name="T62" fmla="*/ 304 w 472"/>
-                    <a:gd name="T63" fmla="*/ 75 h 612"/>
-                    <a:gd name="T64" fmla="*/ 75 w 472"/>
-                    <a:gd name="T65" fmla="*/ 35 h 612"/>
-                  </a:gdLst>
-                  <a:ahLst/>
-                  <a:cxnLst>
-                    <a:cxn ang="0">
-                      <a:pos x="T0" y="T1"/>
-                    </a:cxn>
-                    <a:cxn ang="0">
-                      <a:pos x="T2" y="T3"/>
-                    </a:cxn>
-                    <a:cxn ang="0">
-                      <a:pos x="T4" y="T5"/>
-                    </a:cxn>
-                    <a:cxn ang="0">
-                      <a:pos x="T6" y="T7"/>
-                    </a:cxn>
-                    <a:cxn ang="0">
-                      <a:pos x="T8" y="T9"/>
-                    </a:cxn>
-                    <a:cxn ang="0">
-                      <a:pos x="T10" y="T11"/>
-                    </a:cxn>
-                    <a:cxn ang="0">
-                      <a:pos x="T12" y="T13"/>
-                    </a:cxn>
-                    <a:cxn ang="0">
-                      <a:pos x="T14" y="T15"/>
-                    </a:cxn>
-                    <a:cxn ang="0">
-                      <a:pos x="T16" y="T17"/>
-                    </a:cxn>
-                    <a:cxn ang="0">
-                      <a:pos x="T18" y="T19"/>
-                    </a:cxn>
-                    <a:cxn ang="0">
-                      <a:pos x="T20" y="T21"/>
-                    </a:cxn>
-                    <a:cxn ang="0">
-                      <a:pos x="T22" y="T23"/>
-                    </a:cxn>
-                    <a:cxn ang="0">
-                      <a:pos x="T24" y="T25"/>
-                    </a:cxn>
-                    <a:cxn ang="0">
-                      <a:pos x="T26" y="T27"/>
-                    </a:cxn>
-                    <a:cxn ang="0">
-                      <a:pos x="T28" y="T29"/>
-                    </a:cxn>
-                    <a:cxn ang="0">
-                      <a:pos x="T30" y="T31"/>
-                    </a:cxn>
-                    <a:cxn ang="0">
-                      <a:pos x="T32" y="T33"/>
-                    </a:cxn>
-                    <a:cxn ang="0">
-                      <a:pos x="T34" y="T35"/>
-                    </a:cxn>
-                    <a:cxn ang="0">
-                      <a:pos x="T36" y="T37"/>
-                    </a:cxn>
-                    <a:cxn ang="0">
-                      <a:pos x="T38" y="T39"/>
-                    </a:cxn>
-                    <a:cxn ang="0">
-                      <a:pos x="T40" y="T41"/>
-                    </a:cxn>
-                    <a:cxn ang="0">
-                      <a:pos x="T42" y="T43"/>
-                    </a:cxn>
-                    <a:cxn ang="0">
-                      <a:pos x="T44" y="T45"/>
-                    </a:cxn>
-                    <a:cxn ang="0">
-                      <a:pos x="T46" y="T47"/>
-                    </a:cxn>
-                    <a:cxn ang="0">
-                      <a:pos x="T48" y="T49"/>
-                    </a:cxn>
-                    <a:cxn ang="0">
-                      <a:pos x="T50" y="T51"/>
-                    </a:cxn>
-                    <a:cxn ang="0">
-                      <a:pos x="T52" y="T53"/>
-                    </a:cxn>
-                    <a:cxn ang="0">
-                      <a:pos x="T54" y="T55"/>
-                    </a:cxn>
-                    <a:cxn ang="0">
-                      <a:pos x="T56" y="T57"/>
-                    </a:cxn>
-                    <a:cxn ang="0">
-                      <a:pos x="T58" y="T59"/>
-                    </a:cxn>
-                    <a:cxn ang="0">
-                      <a:pos x="T60" y="T61"/>
-                    </a:cxn>
-                    <a:cxn ang="0">
-                      <a:pos x="T62" y="T63"/>
-                    </a:cxn>
-                    <a:cxn ang="0">
-                      <a:pos x="T64" y="T65"/>
-                    </a:cxn>
-                  </a:cxnLst>
-                  <a:rect l="0" t="0" r="r" b="b"/>
-                  <a:pathLst>
-                    <a:path w="472" h="612">
-                      <a:moveTo>
-                        <a:pt x="375" y="512"/>
-                      </a:moveTo>
-                      <a:cubicBezTo>
-                        <a:pt x="97" y="512"/>
-                        <a:pt x="97" y="512"/>
-                        <a:pt x="97" y="512"/>
-                      </a:cubicBezTo>
-                      <a:cubicBezTo>
-                        <a:pt x="89" y="512"/>
-                        <a:pt x="82" y="505"/>
-                        <a:pt x="82" y="497"/>
-                      </a:cubicBezTo>
-                      <a:cubicBezTo>
-                        <a:pt x="82" y="489"/>
-                        <a:pt x="89" y="483"/>
-                        <a:pt x="97" y="483"/>
-                      </a:cubicBezTo>
-                      <a:cubicBezTo>
-                        <a:pt x="375" y="483"/>
-                        <a:pt x="375" y="483"/>
-                        <a:pt x="375" y="483"/>
-                      </a:cubicBezTo>
-                      <a:cubicBezTo>
-                        <a:pt x="383" y="483"/>
-                        <a:pt x="390" y="489"/>
-                        <a:pt x="390" y="497"/>
-                      </a:cubicBezTo>
-                      <a:cubicBezTo>
-                        <a:pt x="390" y="505"/>
-                        <a:pt x="383" y="512"/>
-                        <a:pt x="375" y="512"/>
-                      </a:cubicBezTo>
-                      <a:close/>
-                      <a:moveTo>
-                        <a:pt x="375" y="435"/>
-                      </a:moveTo>
-                      <a:cubicBezTo>
-                        <a:pt x="97" y="435"/>
-                        <a:pt x="97" y="435"/>
-                        <a:pt x="97" y="435"/>
-                      </a:cubicBezTo>
-                      <a:cubicBezTo>
-                        <a:pt x="89" y="435"/>
-                        <a:pt x="82" y="429"/>
-                        <a:pt x="82" y="421"/>
-                      </a:cubicBezTo>
-                      <a:cubicBezTo>
-                        <a:pt x="82" y="413"/>
-                        <a:pt x="89" y="406"/>
-                        <a:pt x="97" y="406"/>
-                      </a:cubicBezTo>
-                      <a:cubicBezTo>
-                        <a:pt x="375" y="406"/>
-                        <a:pt x="375" y="406"/>
-                        <a:pt x="375" y="406"/>
-                      </a:cubicBezTo>
-                      <a:cubicBezTo>
-                        <a:pt x="383" y="406"/>
-                        <a:pt x="390" y="413"/>
-                        <a:pt x="390" y="421"/>
-                      </a:cubicBezTo>
-                      <a:cubicBezTo>
-                        <a:pt x="390" y="429"/>
-                        <a:pt x="383" y="435"/>
-                        <a:pt x="375" y="435"/>
-                      </a:cubicBezTo>
-                      <a:close/>
-                      <a:moveTo>
-                        <a:pt x="375" y="359"/>
-                      </a:moveTo>
-                      <a:cubicBezTo>
-                        <a:pt x="97" y="359"/>
-                        <a:pt x="97" y="359"/>
-                        <a:pt x="97" y="359"/>
-                      </a:cubicBezTo>
-                      <a:cubicBezTo>
-                        <a:pt x="89" y="359"/>
-                        <a:pt x="82" y="352"/>
-                        <a:pt x="82" y="344"/>
-                      </a:cubicBezTo>
-                      <a:cubicBezTo>
-                        <a:pt x="82" y="336"/>
-                        <a:pt x="89" y="330"/>
-                        <a:pt x="97" y="330"/>
-                      </a:cubicBezTo>
-                      <a:cubicBezTo>
-                        <a:pt x="375" y="330"/>
-                        <a:pt x="375" y="330"/>
-                        <a:pt x="375" y="330"/>
-                      </a:cubicBezTo>
-                      <a:cubicBezTo>
-                        <a:pt x="383" y="330"/>
-                        <a:pt x="390" y="336"/>
-                        <a:pt x="390" y="344"/>
-                      </a:cubicBezTo>
-                      <a:cubicBezTo>
-                        <a:pt x="390" y="352"/>
-                        <a:pt x="383" y="359"/>
-                        <a:pt x="375" y="359"/>
-                      </a:cubicBezTo>
-                      <a:close/>
-                      <a:moveTo>
-                        <a:pt x="375" y="282"/>
-                      </a:moveTo>
-                      <a:cubicBezTo>
-                        <a:pt x="97" y="282"/>
-                        <a:pt x="97" y="282"/>
-                        <a:pt x="97" y="282"/>
-                      </a:cubicBezTo>
-                      <a:cubicBezTo>
-                        <a:pt x="89" y="282"/>
-                        <a:pt x="82" y="276"/>
-                        <a:pt x="82" y="268"/>
-                      </a:cubicBezTo>
-                      <a:cubicBezTo>
-                        <a:pt x="82" y="260"/>
-                        <a:pt x="89" y="254"/>
-                        <a:pt x="97" y="254"/>
-                      </a:cubicBezTo>
-                      <a:cubicBezTo>
-                        <a:pt x="375" y="254"/>
-                        <a:pt x="375" y="254"/>
-                        <a:pt x="375" y="254"/>
-                      </a:cubicBezTo>
-                      <a:cubicBezTo>
-                        <a:pt x="383" y="254"/>
-                        <a:pt x="390" y="260"/>
-                        <a:pt x="390" y="268"/>
-                      </a:cubicBezTo>
-                      <a:cubicBezTo>
-                        <a:pt x="390" y="276"/>
-                        <a:pt x="383" y="282"/>
-                        <a:pt x="375" y="282"/>
-                      </a:cubicBezTo>
-                      <a:close/>
-                      <a:moveTo>
-                        <a:pt x="246" y="206"/>
-                      </a:moveTo>
-                      <a:cubicBezTo>
-                        <a:pt x="97" y="206"/>
-                        <a:pt x="97" y="206"/>
-                        <a:pt x="97" y="206"/>
-                      </a:cubicBezTo>
-                      <a:cubicBezTo>
-                        <a:pt x="89" y="206"/>
-                        <a:pt x="82" y="199"/>
-                        <a:pt x="82" y="191"/>
-                      </a:cubicBezTo>
-                      <a:cubicBezTo>
-                        <a:pt x="82" y="183"/>
-                        <a:pt x="89" y="177"/>
-                        <a:pt x="97" y="177"/>
-                      </a:cubicBezTo>
-                      <a:cubicBezTo>
-                        <a:pt x="246" y="177"/>
-                        <a:pt x="246" y="177"/>
-                        <a:pt x="246" y="177"/>
-                      </a:cubicBezTo>
-                      <a:cubicBezTo>
-                        <a:pt x="254" y="177"/>
-                        <a:pt x="260" y="183"/>
-                        <a:pt x="260" y="191"/>
-                      </a:cubicBezTo>
-                      <a:cubicBezTo>
-                        <a:pt x="260" y="199"/>
-                        <a:pt x="254" y="206"/>
-                        <a:pt x="246" y="206"/>
-                      </a:cubicBezTo>
-                      <a:close/>
-                      <a:moveTo>
-                        <a:pt x="246" y="129"/>
-                      </a:moveTo>
-                      <a:cubicBezTo>
-                        <a:pt x="97" y="129"/>
-                        <a:pt x="97" y="129"/>
-                        <a:pt x="97" y="129"/>
-                      </a:cubicBezTo>
-                      <a:cubicBezTo>
-                        <a:pt x="89" y="129"/>
-                        <a:pt x="82" y="123"/>
-                        <a:pt x="82" y="115"/>
-                      </a:cubicBezTo>
-                      <a:cubicBezTo>
-                        <a:pt x="82" y="107"/>
-                        <a:pt x="89" y="101"/>
-                        <a:pt x="97" y="101"/>
-                      </a:cubicBezTo>
-                      <a:cubicBezTo>
-                        <a:pt x="246" y="101"/>
-                        <a:pt x="246" y="101"/>
-                        <a:pt x="246" y="101"/>
-                      </a:cubicBezTo>
-                      <a:cubicBezTo>
-                        <a:pt x="254" y="101"/>
-                        <a:pt x="260" y="107"/>
-                        <a:pt x="260" y="115"/>
-                      </a:cubicBezTo>
-                      <a:cubicBezTo>
-                        <a:pt x="260" y="123"/>
-                        <a:pt x="254" y="129"/>
-                        <a:pt x="246" y="129"/>
-                      </a:cubicBezTo>
-                      <a:close/>
-                      <a:moveTo>
-                        <a:pt x="27" y="612"/>
-                      </a:moveTo>
-                      <a:cubicBezTo>
-                        <a:pt x="12" y="612"/>
-                        <a:pt x="0" y="600"/>
-                        <a:pt x="0" y="585"/>
-                      </a:cubicBezTo>
-                      <a:cubicBezTo>
-                        <a:pt x="0" y="27"/>
-                        <a:pt x="0" y="27"/>
-                        <a:pt x="0" y="27"/>
-                      </a:cubicBezTo>
-                      <a:cubicBezTo>
-                        <a:pt x="0" y="12"/>
-                        <a:pt x="12" y="0"/>
-                        <a:pt x="27" y="0"/>
-                      </a:cubicBezTo>
-                      <a:cubicBezTo>
-                        <a:pt x="293" y="0"/>
-                        <a:pt x="293" y="0"/>
-                        <a:pt x="293" y="0"/>
-                      </a:cubicBezTo>
-                      <a:cubicBezTo>
-                        <a:pt x="310" y="0"/>
-                        <a:pt x="334" y="10"/>
-                        <a:pt x="346" y="22"/>
-                      </a:cubicBezTo>
-                      <a:cubicBezTo>
-                        <a:pt x="450" y="126"/>
-                        <a:pt x="450" y="126"/>
-                        <a:pt x="450" y="126"/>
-                      </a:cubicBezTo>
-                      <a:cubicBezTo>
-                        <a:pt x="462" y="138"/>
-                        <a:pt x="472" y="162"/>
-                        <a:pt x="472" y="179"/>
-                      </a:cubicBezTo>
-                      <a:cubicBezTo>
-                        <a:pt x="472" y="585"/>
-                        <a:pt x="472" y="585"/>
-                        <a:pt x="472" y="585"/>
-                      </a:cubicBezTo>
-                      <a:cubicBezTo>
-                        <a:pt x="472" y="600"/>
-                        <a:pt x="460" y="612"/>
-                        <a:pt x="445" y="612"/>
-                      </a:cubicBezTo>
-                      <a:lnTo>
-                        <a:pt x="27" y="612"/>
-                      </a:lnTo>
-                      <a:close/>
-                      <a:moveTo>
-                        <a:pt x="75" y="35"/>
-                      </a:moveTo>
-                      <a:cubicBezTo>
-                        <a:pt x="53" y="35"/>
-                        <a:pt x="35" y="53"/>
-                        <a:pt x="35" y="75"/>
-                      </a:cubicBezTo>
-                      <a:cubicBezTo>
-                        <a:pt x="35" y="537"/>
-                        <a:pt x="35" y="537"/>
-                        <a:pt x="35" y="537"/>
-                      </a:cubicBezTo>
-                      <a:cubicBezTo>
-                        <a:pt x="35" y="560"/>
-                        <a:pt x="53" y="578"/>
-                        <a:pt x="75" y="578"/>
-                      </a:cubicBezTo>
-                      <a:cubicBezTo>
-                        <a:pt x="397" y="578"/>
-                        <a:pt x="397" y="578"/>
-                        <a:pt x="397" y="578"/>
-                      </a:cubicBezTo>
-                      <a:cubicBezTo>
-                        <a:pt x="419" y="578"/>
-                        <a:pt x="437" y="560"/>
-                        <a:pt x="437" y="537"/>
-                      </a:cubicBezTo>
-                      <a:cubicBezTo>
-                        <a:pt x="437" y="201"/>
-                        <a:pt x="437" y="201"/>
-                        <a:pt x="437" y="201"/>
-                      </a:cubicBezTo>
-                      <a:cubicBezTo>
-                        <a:pt x="437" y="179"/>
-                        <a:pt x="419" y="161"/>
-                        <a:pt x="397" y="161"/>
-                      </a:cubicBezTo>
-                      <a:cubicBezTo>
-                        <a:pt x="332" y="161"/>
-                        <a:pt x="332" y="161"/>
-                        <a:pt x="332" y="161"/>
-                      </a:cubicBezTo>
-                      <a:cubicBezTo>
-                        <a:pt x="317" y="161"/>
-                        <a:pt x="304" y="149"/>
-                        <a:pt x="304" y="134"/>
-                      </a:cubicBezTo>
-                      <a:cubicBezTo>
-                        <a:pt x="304" y="75"/>
-                        <a:pt x="304" y="75"/>
-                        <a:pt x="304" y="75"/>
-                      </a:cubicBezTo>
-                      <a:cubicBezTo>
-                        <a:pt x="304" y="53"/>
-                        <a:pt x="286" y="35"/>
-                        <a:pt x="264" y="35"/>
-                      </a:cubicBezTo>
-                      <a:lnTo>
-                        <a:pt x="75" y="35"/>
-                      </a:lnTo>
-                      <a:close/>
-                    </a:path>
-                  </a:pathLst>
-                </a:custGeom>
-                <a:solidFill>
-                  <a:srgbClr val="000000"/>
-                </a:solidFill>
-                <a:ln>
-                  <a:noFill/>
-                </a:ln>
-                <a:extLst>
-                  <a:ext uri="{91240B29-F687-4F45-9708-019B960494DF}">
-                    <a14:hiddenLine xmlns:a14="http://schemas.microsoft.com/office/drawing/2010/main" w="9525">
-                      <a:solidFill>
-                        <a:srgbClr val="000000"/>
-                      </a:solidFill>
-                      <a:round/>
-                    </a14:hiddenLine>
-                  </a:ext>
-                </a:extLst>
-              </p:spPr>
-              <p:txBody>
-                <a:bodyPr vert="horz" wrap="square" lIns="91440" tIns="45720" rIns="91440" bIns="45720" numCol="1" anchor="t" anchorCtr="0" compatLnSpc="1"/>
-                <a:lstStyle/>
-                <a:p>
-                  <a:endParaRPr lang="en-US"/>
-                </a:p>
-              </p:txBody>
-            </p:sp>
-            <p:sp>
-              <p:nvSpPr>
-                <p:cNvPr id="20" name="Freeform 86">
-                  <a:extLst>
-                    <a:ext uri="{FF2B5EF4-FFF2-40B4-BE49-F238E27FC236}">
-                      <a16:creationId xmlns:a16="http://schemas.microsoft.com/office/drawing/2014/main" id="{6AB05BFB-D6F6-4DA3-AACE-557C805857BE}"/>
-                    </a:ext>
-                  </a:extLst>
-                </p:cNvPr>
-                <p:cNvSpPr>
-                  <a:spLocks noEditPoints="1"/>
-                </p:cNvSpPr>
-                <p:nvPr/>
-              </p:nvSpPr>
-              <p:spPr bwMode="auto">
-                <a:xfrm>
-                  <a:off x="4697256" y="4026102"/>
-                  <a:ext cx="662857" cy="926447"/>
-                </a:xfrm>
-                <a:custGeom>
-                  <a:avLst/>
-                  <a:gdLst>
-                    <a:gd name="T0" fmla="*/ 97 w 472"/>
-                    <a:gd name="T1" fmla="*/ 512 h 612"/>
-                    <a:gd name="T2" fmla="*/ 97 w 472"/>
-                    <a:gd name="T3" fmla="*/ 483 h 612"/>
-                    <a:gd name="T4" fmla="*/ 390 w 472"/>
-                    <a:gd name="T5" fmla="*/ 497 h 612"/>
-                    <a:gd name="T6" fmla="*/ 375 w 472"/>
-                    <a:gd name="T7" fmla="*/ 435 h 612"/>
-                    <a:gd name="T8" fmla="*/ 82 w 472"/>
-                    <a:gd name="T9" fmla="*/ 421 h 612"/>
-                    <a:gd name="T10" fmla="*/ 375 w 472"/>
-                    <a:gd name="T11" fmla="*/ 406 h 612"/>
-                    <a:gd name="T12" fmla="*/ 375 w 472"/>
-                    <a:gd name="T13" fmla="*/ 435 h 612"/>
-                    <a:gd name="T14" fmla="*/ 97 w 472"/>
-                    <a:gd name="T15" fmla="*/ 359 h 612"/>
-                    <a:gd name="T16" fmla="*/ 97 w 472"/>
-                    <a:gd name="T17" fmla="*/ 330 h 612"/>
-                    <a:gd name="T18" fmla="*/ 390 w 472"/>
-                    <a:gd name="T19" fmla="*/ 344 h 612"/>
-                    <a:gd name="T20" fmla="*/ 375 w 472"/>
-                    <a:gd name="T21" fmla="*/ 282 h 612"/>
-                    <a:gd name="T22" fmla="*/ 82 w 472"/>
-                    <a:gd name="T23" fmla="*/ 268 h 612"/>
-                    <a:gd name="T24" fmla="*/ 375 w 472"/>
-                    <a:gd name="T25" fmla="*/ 254 h 612"/>
-                    <a:gd name="T26" fmla="*/ 375 w 472"/>
-                    <a:gd name="T27" fmla="*/ 282 h 612"/>
-                    <a:gd name="T28" fmla="*/ 97 w 472"/>
-                    <a:gd name="T29" fmla="*/ 206 h 612"/>
-                    <a:gd name="T30" fmla="*/ 97 w 472"/>
-                    <a:gd name="T31" fmla="*/ 177 h 612"/>
-                    <a:gd name="T32" fmla="*/ 260 w 472"/>
-                    <a:gd name="T33" fmla="*/ 191 h 612"/>
-                    <a:gd name="T34" fmla="*/ 246 w 472"/>
-                    <a:gd name="T35" fmla="*/ 129 h 612"/>
-                    <a:gd name="T36" fmla="*/ 82 w 472"/>
-                    <a:gd name="T37" fmla="*/ 115 h 612"/>
-                    <a:gd name="T38" fmla="*/ 246 w 472"/>
-                    <a:gd name="T39" fmla="*/ 101 h 612"/>
-                    <a:gd name="T40" fmla="*/ 246 w 472"/>
-                    <a:gd name="T41" fmla="*/ 129 h 612"/>
-                    <a:gd name="T42" fmla="*/ 0 w 472"/>
-                    <a:gd name="T43" fmla="*/ 585 h 612"/>
-                    <a:gd name="T44" fmla="*/ 27 w 472"/>
-                    <a:gd name="T45" fmla="*/ 0 h 612"/>
-                    <a:gd name="T46" fmla="*/ 346 w 472"/>
-                    <a:gd name="T47" fmla="*/ 22 h 612"/>
-                    <a:gd name="T48" fmla="*/ 472 w 472"/>
-                    <a:gd name="T49" fmla="*/ 179 h 612"/>
-                    <a:gd name="T50" fmla="*/ 445 w 472"/>
-                    <a:gd name="T51" fmla="*/ 612 h 612"/>
-                    <a:gd name="T52" fmla="*/ 75 w 472"/>
-                    <a:gd name="T53" fmla="*/ 35 h 612"/>
-                    <a:gd name="T54" fmla="*/ 35 w 472"/>
-                    <a:gd name="T55" fmla="*/ 537 h 612"/>
-                    <a:gd name="T56" fmla="*/ 397 w 472"/>
-                    <a:gd name="T57" fmla="*/ 578 h 612"/>
-                    <a:gd name="T58" fmla="*/ 437 w 472"/>
-                    <a:gd name="T59" fmla="*/ 201 h 612"/>
-                    <a:gd name="T60" fmla="*/ 332 w 472"/>
-                    <a:gd name="T61" fmla="*/ 161 h 612"/>
-                    <a:gd name="T62" fmla="*/ 304 w 472"/>
-                    <a:gd name="T63" fmla="*/ 75 h 612"/>
-                    <a:gd name="T64" fmla="*/ 75 w 472"/>
-                    <a:gd name="T65" fmla="*/ 35 h 612"/>
-                  </a:gdLst>
-                  <a:ahLst/>
-                  <a:cxnLst>
-                    <a:cxn ang="0">
-                      <a:pos x="T0" y="T1"/>
-                    </a:cxn>
-                    <a:cxn ang="0">
-                      <a:pos x="T2" y="T3"/>
-                    </a:cxn>
-                    <a:cxn ang="0">
-                      <a:pos x="T4" y="T5"/>
-                    </a:cxn>
-                    <a:cxn ang="0">
-                      <a:pos x="T6" y="T7"/>
-                    </a:cxn>
-                    <a:cxn ang="0">
-                      <a:pos x="T8" y="T9"/>
-                    </a:cxn>
-                    <a:cxn ang="0">
-                      <a:pos x="T10" y="T11"/>
-                    </a:cxn>
-                    <a:cxn ang="0">
-                      <a:pos x="T12" y="T13"/>
-                    </a:cxn>
-                    <a:cxn ang="0">
-                      <a:pos x="T14" y="T15"/>
-                    </a:cxn>
-                    <a:cxn ang="0">
-                      <a:pos x="T16" y="T17"/>
-                    </a:cxn>
-                    <a:cxn ang="0">
-                      <a:pos x="T18" y="T19"/>
-                    </a:cxn>
-                    <a:cxn ang="0">
-                      <a:pos x="T20" y="T21"/>
-                    </a:cxn>
-                    <a:cxn ang="0">
-                      <a:pos x="T22" y="T23"/>
-                    </a:cxn>
-                    <a:cxn ang="0">
-                      <a:pos x="T24" y="T25"/>
-                    </a:cxn>
-                    <a:cxn ang="0">
-                      <a:pos x="T26" y="T27"/>
-                    </a:cxn>
-                    <a:cxn ang="0">
-                      <a:pos x="T28" y="T29"/>
-                    </a:cxn>
-                    <a:cxn ang="0">
-                      <a:pos x="T30" y="T31"/>
-                    </a:cxn>
-                    <a:cxn ang="0">
-                      <a:pos x="T32" y="T33"/>
-                    </a:cxn>
-                    <a:cxn ang="0">
-                      <a:pos x="T34" y="T35"/>
-                    </a:cxn>
-                    <a:cxn ang="0">
-                      <a:pos x="T36" y="T37"/>
-                    </a:cxn>
-                    <a:cxn ang="0">
-                      <a:pos x="T38" y="T39"/>
-                    </a:cxn>
-                    <a:cxn ang="0">
-                      <a:pos x="T40" y="T41"/>
-                    </a:cxn>
-                    <a:cxn ang="0">
-                      <a:pos x="T42" y="T43"/>
-                    </a:cxn>
-                    <a:cxn ang="0">
-                      <a:pos x="T44" y="T45"/>
-                    </a:cxn>
-                    <a:cxn ang="0">
-                      <a:pos x="T46" y="T47"/>
-                    </a:cxn>
-                    <a:cxn ang="0">
-                      <a:pos x="T48" y="T49"/>
-                    </a:cxn>
-                    <a:cxn ang="0">
-                      <a:pos x="T50" y="T51"/>
-                    </a:cxn>
-                    <a:cxn ang="0">
-                      <a:pos x="T52" y="T53"/>
-                    </a:cxn>
-                    <a:cxn ang="0">
-                      <a:pos x="T54" y="T55"/>
-                    </a:cxn>
-                    <a:cxn ang="0">
-                      <a:pos x="T56" y="T57"/>
-                    </a:cxn>
-                    <a:cxn ang="0">
-                      <a:pos x="T58" y="T59"/>
-                    </a:cxn>
-                    <a:cxn ang="0">
-                      <a:pos x="T60" y="T61"/>
-                    </a:cxn>
-                    <a:cxn ang="0">
-                      <a:pos x="T62" y="T63"/>
-                    </a:cxn>
-                    <a:cxn ang="0">
-                      <a:pos x="T64" y="T65"/>
-                    </a:cxn>
-                  </a:cxnLst>
-                  <a:rect l="0" t="0" r="r" b="b"/>
-                  <a:pathLst>
-                    <a:path w="472" h="612">
-                      <a:moveTo>
-                        <a:pt x="375" y="512"/>
-                      </a:moveTo>
-                      <a:cubicBezTo>
-                        <a:pt x="97" y="512"/>
-                        <a:pt x="97" y="512"/>
-                        <a:pt x="97" y="512"/>
-                      </a:cubicBezTo>
-                      <a:cubicBezTo>
-                        <a:pt x="89" y="512"/>
-                        <a:pt x="82" y="505"/>
-                        <a:pt x="82" y="497"/>
-                      </a:cubicBezTo>
-                      <a:cubicBezTo>
-                        <a:pt x="82" y="489"/>
-                        <a:pt x="89" y="483"/>
-                        <a:pt x="97" y="483"/>
-                      </a:cubicBezTo>
-                      <a:cubicBezTo>
-                        <a:pt x="375" y="483"/>
-                        <a:pt x="375" y="483"/>
-                        <a:pt x="375" y="483"/>
-                      </a:cubicBezTo>
-                      <a:cubicBezTo>
-                        <a:pt x="383" y="483"/>
-                        <a:pt x="390" y="489"/>
-                        <a:pt x="390" y="497"/>
-                      </a:cubicBezTo>
-                      <a:cubicBezTo>
-                        <a:pt x="390" y="505"/>
-                        <a:pt x="383" y="512"/>
-                        <a:pt x="375" y="512"/>
-                      </a:cubicBezTo>
-                      <a:close/>
-                      <a:moveTo>
-                        <a:pt x="375" y="435"/>
-                      </a:moveTo>
-                      <a:cubicBezTo>
-                        <a:pt x="97" y="435"/>
-                        <a:pt x="97" y="435"/>
-                        <a:pt x="97" y="435"/>
-                      </a:cubicBezTo>
-                      <a:cubicBezTo>
-                        <a:pt x="89" y="435"/>
-                        <a:pt x="82" y="429"/>
-                        <a:pt x="82" y="421"/>
-                      </a:cubicBezTo>
-                      <a:cubicBezTo>
-                        <a:pt x="82" y="413"/>
-                        <a:pt x="89" y="406"/>
-                        <a:pt x="97" y="406"/>
-                      </a:cubicBezTo>
-                      <a:cubicBezTo>
-                        <a:pt x="375" y="406"/>
-                        <a:pt x="375" y="406"/>
-                        <a:pt x="375" y="406"/>
-                      </a:cubicBezTo>
-                      <a:cubicBezTo>
-                        <a:pt x="383" y="406"/>
-                        <a:pt x="390" y="413"/>
-                        <a:pt x="390" y="421"/>
-                      </a:cubicBezTo>
-                      <a:cubicBezTo>
-                        <a:pt x="390" y="429"/>
-                        <a:pt x="383" y="435"/>
-                        <a:pt x="375" y="435"/>
-                      </a:cubicBezTo>
-                      <a:close/>
-                      <a:moveTo>
-                        <a:pt x="375" y="359"/>
-                      </a:moveTo>
-                      <a:cubicBezTo>
-                        <a:pt x="97" y="359"/>
-                        <a:pt x="97" y="359"/>
-                        <a:pt x="97" y="359"/>
-                      </a:cubicBezTo>
-                      <a:cubicBezTo>
-                        <a:pt x="89" y="359"/>
-                        <a:pt x="82" y="352"/>
-                        <a:pt x="82" y="344"/>
-                      </a:cubicBezTo>
-                      <a:cubicBezTo>
-                        <a:pt x="82" y="336"/>
-                        <a:pt x="89" y="330"/>
-                        <a:pt x="97" y="330"/>
-                      </a:cubicBezTo>
-                      <a:cubicBezTo>
-                        <a:pt x="375" y="330"/>
-                        <a:pt x="375" y="330"/>
-                        <a:pt x="375" y="330"/>
-                      </a:cubicBezTo>
-                      <a:cubicBezTo>
-                        <a:pt x="383" y="330"/>
-                        <a:pt x="390" y="336"/>
-                        <a:pt x="390" y="344"/>
-                      </a:cubicBezTo>
-                      <a:cubicBezTo>
-                        <a:pt x="390" y="352"/>
-                        <a:pt x="383" y="359"/>
-                        <a:pt x="375" y="359"/>
-                      </a:cubicBezTo>
-                      <a:close/>
-                      <a:moveTo>
-                        <a:pt x="375" y="282"/>
-                      </a:moveTo>
-                      <a:cubicBezTo>
-                        <a:pt x="97" y="282"/>
-                        <a:pt x="97" y="282"/>
-                        <a:pt x="97" y="282"/>
-                      </a:cubicBezTo>
-                      <a:cubicBezTo>
-                        <a:pt x="89" y="282"/>
-                        <a:pt x="82" y="276"/>
-                        <a:pt x="82" y="268"/>
-                      </a:cubicBezTo>
-                      <a:cubicBezTo>
-                        <a:pt x="82" y="260"/>
-                        <a:pt x="89" y="254"/>
-                        <a:pt x="97" y="254"/>
-                      </a:cubicBezTo>
-                      <a:cubicBezTo>
-                        <a:pt x="375" y="254"/>
-                        <a:pt x="375" y="254"/>
-                        <a:pt x="375" y="254"/>
-                      </a:cubicBezTo>
-                      <a:cubicBezTo>
-                        <a:pt x="383" y="254"/>
-                        <a:pt x="390" y="260"/>
-                        <a:pt x="390" y="268"/>
-                      </a:cubicBezTo>
-                      <a:cubicBezTo>
-                        <a:pt x="390" y="276"/>
-                        <a:pt x="383" y="282"/>
-                        <a:pt x="375" y="282"/>
-                      </a:cubicBezTo>
-                      <a:close/>
-                      <a:moveTo>
-                        <a:pt x="246" y="206"/>
-                      </a:moveTo>
-                      <a:cubicBezTo>
-                        <a:pt x="97" y="206"/>
-                        <a:pt x="97" y="206"/>
-                        <a:pt x="97" y="206"/>
-                      </a:cubicBezTo>
-                      <a:cubicBezTo>
-                        <a:pt x="89" y="206"/>
-                        <a:pt x="82" y="199"/>
-                        <a:pt x="82" y="191"/>
-                      </a:cubicBezTo>
-                      <a:cubicBezTo>
-                        <a:pt x="82" y="183"/>
-                        <a:pt x="89" y="177"/>
-                        <a:pt x="97" y="177"/>
-                      </a:cubicBezTo>
-                      <a:cubicBezTo>
-                        <a:pt x="246" y="177"/>
-                        <a:pt x="246" y="177"/>
-                        <a:pt x="246" y="177"/>
-                      </a:cubicBezTo>
-                      <a:cubicBezTo>
-                        <a:pt x="254" y="177"/>
-                        <a:pt x="260" y="183"/>
-                        <a:pt x="260" y="191"/>
-                      </a:cubicBezTo>
-                      <a:cubicBezTo>
-                        <a:pt x="260" y="199"/>
-                        <a:pt x="254" y="206"/>
-                        <a:pt x="246" y="206"/>
-                      </a:cubicBezTo>
-                      <a:close/>
-                      <a:moveTo>
-                        <a:pt x="246" y="129"/>
-                      </a:moveTo>
-                      <a:cubicBezTo>
-                        <a:pt x="97" y="129"/>
-                        <a:pt x="97" y="129"/>
-                        <a:pt x="97" y="129"/>
-                      </a:cubicBezTo>
-                      <a:cubicBezTo>
-                        <a:pt x="89" y="129"/>
-                        <a:pt x="82" y="123"/>
-                        <a:pt x="82" y="115"/>
-                      </a:cubicBezTo>
-                      <a:cubicBezTo>
-                        <a:pt x="82" y="107"/>
-                        <a:pt x="89" y="101"/>
-                        <a:pt x="97" y="101"/>
-                      </a:cubicBezTo>
-                      <a:cubicBezTo>
-                        <a:pt x="246" y="101"/>
-                        <a:pt x="246" y="101"/>
-                        <a:pt x="246" y="101"/>
-                      </a:cubicBezTo>
-                      <a:cubicBezTo>
-                        <a:pt x="254" y="101"/>
-                        <a:pt x="260" y="107"/>
-                        <a:pt x="260" y="115"/>
-                      </a:cubicBezTo>
-                      <a:cubicBezTo>
-                        <a:pt x="260" y="123"/>
-                        <a:pt x="254" y="129"/>
-                        <a:pt x="246" y="129"/>
-                      </a:cubicBezTo>
-                      <a:close/>
-                      <a:moveTo>
-                        <a:pt x="27" y="612"/>
-                      </a:moveTo>
-                      <a:cubicBezTo>
-                        <a:pt x="12" y="612"/>
-                        <a:pt x="0" y="600"/>
-                        <a:pt x="0" y="585"/>
-                      </a:cubicBezTo>
-                      <a:cubicBezTo>
-                        <a:pt x="0" y="27"/>
-                        <a:pt x="0" y="27"/>
-                        <a:pt x="0" y="27"/>
-                      </a:cubicBezTo>
-                      <a:cubicBezTo>
-                        <a:pt x="0" y="12"/>
-                        <a:pt x="12" y="0"/>
-                        <a:pt x="27" y="0"/>
-                      </a:cubicBezTo>
-                      <a:cubicBezTo>
-                        <a:pt x="293" y="0"/>
-                        <a:pt x="293" y="0"/>
-                        <a:pt x="293" y="0"/>
-                      </a:cubicBezTo>
-                      <a:cubicBezTo>
-                        <a:pt x="310" y="0"/>
-                        <a:pt x="334" y="10"/>
-                        <a:pt x="346" y="22"/>
-                      </a:cubicBezTo>
-                      <a:cubicBezTo>
-                        <a:pt x="450" y="126"/>
-                        <a:pt x="450" y="126"/>
-                        <a:pt x="450" y="126"/>
-                      </a:cubicBezTo>
-                      <a:cubicBezTo>
-                        <a:pt x="462" y="138"/>
-                        <a:pt x="472" y="162"/>
-                        <a:pt x="472" y="179"/>
-                      </a:cubicBezTo>
-                      <a:cubicBezTo>
-                        <a:pt x="472" y="585"/>
-                        <a:pt x="472" y="585"/>
-                        <a:pt x="472" y="585"/>
-                      </a:cubicBezTo>
-                      <a:cubicBezTo>
-                        <a:pt x="472" y="600"/>
-                        <a:pt x="460" y="612"/>
-                        <a:pt x="445" y="612"/>
-                      </a:cubicBezTo>
-                      <a:lnTo>
-                        <a:pt x="27" y="612"/>
-                      </a:lnTo>
-                      <a:close/>
-                      <a:moveTo>
-                        <a:pt x="75" y="35"/>
-                      </a:moveTo>
-                      <a:cubicBezTo>
-                        <a:pt x="53" y="35"/>
-                        <a:pt x="35" y="53"/>
-                        <a:pt x="35" y="75"/>
-                      </a:cubicBezTo>
-                      <a:cubicBezTo>
-                        <a:pt x="35" y="537"/>
-                        <a:pt x="35" y="537"/>
-                        <a:pt x="35" y="537"/>
-                      </a:cubicBezTo>
-                      <a:cubicBezTo>
-                        <a:pt x="35" y="560"/>
-                        <a:pt x="53" y="578"/>
-                        <a:pt x="75" y="578"/>
-                      </a:cubicBezTo>
-                      <a:cubicBezTo>
-                        <a:pt x="397" y="578"/>
-                        <a:pt x="397" y="578"/>
-                        <a:pt x="397" y="578"/>
-                      </a:cubicBezTo>
-                      <a:cubicBezTo>
-                        <a:pt x="419" y="578"/>
-                        <a:pt x="437" y="560"/>
-                        <a:pt x="437" y="537"/>
-                      </a:cubicBezTo>
-                      <a:cubicBezTo>
-                        <a:pt x="437" y="201"/>
-                        <a:pt x="437" y="201"/>
-                        <a:pt x="437" y="201"/>
-                      </a:cubicBezTo>
-                      <a:cubicBezTo>
-                        <a:pt x="437" y="179"/>
-                        <a:pt x="419" y="161"/>
-                        <a:pt x="397" y="161"/>
-                      </a:cubicBezTo>
-                      <a:cubicBezTo>
-                        <a:pt x="332" y="161"/>
-                        <a:pt x="332" y="161"/>
-                        <a:pt x="332" y="161"/>
-                      </a:cubicBezTo>
-                      <a:cubicBezTo>
-                        <a:pt x="317" y="161"/>
-                        <a:pt x="304" y="149"/>
-                        <a:pt x="304" y="134"/>
-                      </a:cubicBezTo>
-                      <a:cubicBezTo>
-                        <a:pt x="304" y="75"/>
-                        <a:pt x="304" y="75"/>
-                        <a:pt x="304" y="75"/>
-                      </a:cubicBezTo>
-                      <a:cubicBezTo>
-                        <a:pt x="304" y="53"/>
-                        <a:pt x="286" y="35"/>
-                        <a:pt x="264" y="35"/>
-                      </a:cubicBezTo>
-                      <a:lnTo>
-                        <a:pt x="75" y="35"/>
-                      </a:lnTo>
-                      <a:close/>
-                    </a:path>
-                  </a:pathLst>
-                </a:custGeom>
-                <a:solidFill>
-                  <a:srgbClr val="000000"/>
-                </a:solidFill>
-                <a:ln>
-                  <a:noFill/>
-                </a:ln>
-                <a:extLst>
-                  <a:ext uri="{91240B29-F687-4F45-9708-019B960494DF}">
-                    <a14:hiddenLine xmlns:a14="http://schemas.microsoft.com/office/drawing/2010/main" w="9525">
-                      <a:solidFill>
-                        <a:srgbClr val="000000"/>
-                      </a:solidFill>
-                      <a:round/>
-                    </a14:hiddenLine>
-                  </a:ext>
-                </a:extLst>
-              </p:spPr>
-              <p:txBody>
-                <a:bodyPr vert="horz" wrap="square" lIns="91440" tIns="45720" rIns="91440" bIns="45720" numCol="1" anchor="t" anchorCtr="0" compatLnSpc="1"/>
-                <a:lstStyle/>
-                <a:p>
-                  <a:endParaRPr lang="en-US"/>
-                </a:p>
-              </p:txBody>
-            </p:sp>
-            <p:sp>
-              <p:nvSpPr>
-                <p:cNvPr id="21" name="TextBox 20">
-                  <a:extLst>
-                    <a:ext uri="{FF2B5EF4-FFF2-40B4-BE49-F238E27FC236}">
-                      <a16:creationId xmlns:a16="http://schemas.microsoft.com/office/drawing/2014/main" id="{038C765C-5E1C-4D6E-8708-FB31C8F25192}"/>
-                    </a:ext>
-                  </a:extLst>
-                </p:cNvPr>
-                <p:cNvSpPr txBox="1"/>
-                <p:nvPr/>
-              </p:nvSpPr>
-              <p:spPr>
-                <a:xfrm>
-                  <a:off x="1702411" y="5212301"/>
-                  <a:ext cx="1121326" cy="416051"/>
-                </a:xfrm>
-                <a:prstGeom prst="rect">
-                  <a:avLst/>
-                </a:prstGeom>
-                <a:noFill/>
-              </p:spPr>
-              <p:txBody>
-                <a:bodyPr wrap="square" rtlCol="0">
-                  <a:spAutoFit/>
-                </a:bodyPr>
-                <a:lstStyle/>
-                <a:p>
-                  <a:r>
-                    <a:rPr lang="en-US" sz="1200" dirty="0"/>
-                    <a:t>Cab_Data.csv </a:t>
-                  </a:r>
-                </a:p>
-              </p:txBody>
-            </p:sp>
-            <p:sp>
-              <p:nvSpPr>
-                <p:cNvPr id="22" name="TextBox 21">
-                  <a:extLst>
-                    <a:ext uri="{FF2B5EF4-FFF2-40B4-BE49-F238E27FC236}">
-                      <a16:creationId xmlns:a16="http://schemas.microsoft.com/office/drawing/2014/main" id="{ACF15930-FD63-4C78-8967-0D7B72CAF2EF}"/>
-                    </a:ext>
-                  </a:extLst>
-                </p:cNvPr>
-                <p:cNvSpPr txBox="1"/>
-                <p:nvPr/>
-              </p:nvSpPr>
-              <p:spPr>
-                <a:xfrm>
-                  <a:off x="3097359" y="5212301"/>
-                  <a:ext cx="1264000" cy="276999"/>
-                </a:xfrm>
-                <a:prstGeom prst="rect">
-                  <a:avLst/>
-                </a:prstGeom>
-                <a:noFill/>
-              </p:spPr>
-              <p:txBody>
-                <a:bodyPr wrap="none" rtlCol="0">
-                  <a:spAutoFit/>
-                </a:bodyPr>
-                <a:lstStyle/>
-                <a:p>
-                  <a:r>
-                    <a:rPr lang="en-US" sz="1200" dirty="0"/>
-                    <a:t>Customer_ID.csv </a:t>
-                  </a:r>
-                </a:p>
-              </p:txBody>
-            </p:sp>
-            <p:sp>
-              <p:nvSpPr>
-                <p:cNvPr id="23" name="TextBox 22">
-                  <a:extLst>
-                    <a:ext uri="{FF2B5EF4-FFF2-40B4-BE49-F238E27FC236}">
-                      <a16:creationId xmlns:a16="http://schemas.microsoft.com/office/drawing/2014/main" id="{E6BCCCBA-081E-4F39-A580-2A1E14D0EC2C}"/>
-                    </a:ext>
-                  </a:extLst>
-                </p:cNvPr>
-                <p:cNvSpPr txBox="1"/>
-                <p:nvPr/>
-              </p:nvSpPr>
-              <p:spPr>
-                <a:xfrm>
-                  <a:off x="4525356" y="5212302"/>
-                  <a:ext cx="1376339" cy="276999"/>
-                </a:xfrm>
-                <a:prstGeom prst="rect">
-                  <a:avLst/>
-                </a:prstGeom>
-                <a:noFill/>
-              </p:spPr>
-              <p:txBody>
-                <a:bodyPr wrap="none" rtlCol="0">
-                  <a:spAutoFit/>
-                </a:bodyPr>
-                <a:lstStyle/>
-                <a:p>
-                  <a:r>
-                    <a:rPr lang="en-US" sz="1200" dirty="0"/>
-                    <a:t>Transaction_ID.csv </a:t>
-                  </a:r>
-                </a:p>
-              </p:txBody>
-            </p:sp>
-            <p:sp>
-              <p:nvSpPr>
-                <p:cNvPr id="24" name="TextBox 23">
-                  <a:extLst>
-                    <a:ext uri="{FF2B5EF4-FFF2-40B4-BE49-F238E27FC236}">
-                      <a16:creationId xmlns:a16="http://schemas.microsoft.com/office/drawing/2014/main" id="{1265079C-20BE-4C1A-AC2E-90E15AB3A3CE}"/>
-                    </a:ext>
-                  </a:extLst>
-                </p:cNvPr>
-                <p:cNvSpPr txBox="1"/>
-                <p:nvPr/>
-              </p:nvSpPr>
-              <p:spPr>
-                <a:xfrm>
-                  <a:off x="6120505" y="5212301"/>
-                  <a:ext cx="750481" cy="416051"/>
-                </a:xfrm>
-                <a:prstGeom prst="rect">
-                  <a:avLst/>
-                </a:prstGeom>
-                <a:noFill/>
-              </p:spPr>
-              <p:txBody>
-                <a:bodyPr wrap="square" rtlCol="0">
-                  <a:spAutoFit/>
-                </a:bodyPr>
-                <a:lstStyle/>
-                <a:p>
-                  <a:r>
-                    <a:rPr lang="en-US" sz="1200" dirty="0"/>
-                    <a:t>City.csv</a:t>
-                  </a:r>
-                </a:p>
-              </p:txBody>
-            </p:sp>
-          </p:grpSp>
-          <p:cxnSp>
-            <p:nvCxnSpPr>
-              <p:cNvPr id="11" name="Straight Arrow Connector 10">
-                <a:extLst>
-                  <a:ext uri="{FF2B5EF4-FFF2-40B4-BE49-F238E27FC236}">
-                    <a16:creationId xmlns:a16="http://schemas.microsoft.com/office/drawing/2014/main" id="{E624FA5F-99F6-4039-88C8-0A21710DB69E}"/>
-                  </a:ext>
-                </a:extLst>
-              </p:cNvPr>
-              <p:cNvCxnSpPr>
-                <a:cxnSpLocks/>
-              </p:cNvCxnSpPr>
-              <p:nvPr/>
-            </p:nvCxnSpPr>
-            <p:spPr>
-              <a:xfrm>
-                <a:off x="2624242" y="4379438"/>
-                <a:ext cx="1826170" cy="1511381"/>
-              </a:xfrm>
-              <a:prstGeom prst="straightConnector1">
-                <a:avLst/>
-              </a:prstGeom>
-              <a:ln>
-                <a:tailEnd type="triangle"/>
-              </a:ln>
-            </p:spPr>
-            <p:style>
-              <a:lnRef idx="1">
-                <a:schemeClr val="accent1"/>
-              </a:lnRef>
-              <a:fillRef idx="0">
-                <a:schemeClr val="accent1"/>
-              </a:fillRef>
-              <a:effectRef idx="0">
-                <a:schemeClr val="accent1"/>
-              </a:effectRef>
-              <a:fontRef idx="minor">
-                <a:schemeClr val="tx1"/>
-              </a:fontRef>
-            </p:style>
-          </p:cxnSp>
-          <p:cxnSp>
-            <p:nvCxnSpPr>
-              <p:cNvPr id="12" name="Straight Arrow Connector 11">
-                <a:extLst>
-                  <a:ext uri="{FF2B5EF4-FFF2-40B4-BE49-F238E27FC236}">
-                    <a16:creationId xmlns:a16="http://schemas.microsoft.com/office/drawing/2014/main" id="{F54797A2-76D8-4DF6-8452-17C8BC467756}"/>
-                  </a:ext>
-                </a:extLst>
-              </p:cNvPr>
-              <p:cNvCxnSpPr>
-                <a:cxnSpLocks/>
-              </p:cNvCxnSpPr>
-              <p:nvPr/>
-            </p:nvCxnSpPr>
-            <p:spPr>
-              <a:xfrm flipH="1">
-                <a:off x="5258570" y="4455645"/>
-                <a:ext cx="782456" cy="1256454"/>
-              </a:xfrm>
-              <a:prstGeom prst="straightConnector1">
-                <a:avLst/>
-              </a:prstGeom>
-              <a:ln>
-                <a:tailEnd type="triangle"/>
-              </a:ln>
-            </p:spPr>
-            <p:style>
-              <a:lnRef idx="1">
-                <a:schemeClr val="accent1"/>
-              </a:lnRef>
-              <a:fillRef idx="0">
-                <a:schemeClr val="accent1"/>
-              </a:fillRef>
-              <a:effectRef idx="0">
-                <a:schemeClr val="accent1"/>
-              </a:effectRef>
-              <a:fontRef idx="minor">
-                <a:schemeClr val="tx1"/>
-              </a:fontRef>
-            </p:style>
-          </p:cxnSp>
-          <p:cxnSp>
-            <p:nvCxnSpPr>
-              <p:cNvPr id="13" name="Straight Arrow Connector 12">
-                <a:extLst>
-                  <a:ext uri="{FF2B5EF4-FFF2-40B4-BE49-F238E27FC236}">
-                    <a16:creationId xmlns:a16="http://schemas.microsoft.com/office/drawing/2014/main" id="{C5C0178D-68AC-4371-A5F9-4282B8BC64D3}"/>
-                  </a:ext>
-                </a:extLst>
-              </p:cNvPr>
-              <p:cNvCxnSpPr>
-                <a:cxnSpLocks/>
-              </p:cNvCxnSpPr>
-              <p:nvPr/>
-            </p:nvCxnSpPr>
-            <p:spPr>
-              <a:xfrm>
-                <a:off x="3729359" y="4367355"/>
-                <a:ext cx="827805" cy="1334194"/>
-              </a:xfrm>
-              <a:prstGeom prst="straightConnector1">
-                <a:avLst/>
-              </a:prstGeom>
-              <a:ln>
-                <a:tailEnd type="triangle"/>
-              </a:ln>
-            </p:spPr>
-            <p:style>
-              <a:lnRef idx="1">
-                <a:schemeClr val="accent1"/>
-              </a:lnRef>
-              <a:fillRef idx="0">
-                <a:schemeClr val="accent1"/>
-              </a:fillRef>
-              <a:effectRef idx="0">
-                <a:schemeClr val="accent1"/>
-              </a:effectRef>
-              <a:fontRef idx="minor">
-                <a:schemeClr val="tx1"/>
-              </a:fontRef>
-            </p:style>
-          </p:cxnSp>
-          <p:cxnSp>
-            <p:nvCxnSpPr>
-              <p:cNvPr id="14" name="Straight Arrow Connector 13">
-                <a:extLst>
-                  <a:ext uri="{FF2B5EF4-FFF2-40B4-BE49-F238E27FC236}">
-                    <a16:creationId xmlns:a16="http://schemas.microsoft.com/office/drawing/2014/main" id="{54A1161E-B9C0-45E7-9AA5-DCFE7ADEB714}"/>
-                  </a:ext>
-                </a:extLst>
-              </p:cNvPr>
-              <p:cNvCxnSpPr>
-                <a:cxnSpLocks/>
-              </p:cNvCxnSpPr>
-              <p:nvPr/>
-            </p:nvCxnSpPr>
-            <p:spPr>
-              <a:xfrm>
-                <a:off x="4861033" y="4457496"/>
-                <a:ext cx="0" cy="1167845"/>
-              </a:xfrm>
-              <a:prstGeom prst="straightConnector1">
-                <a:avLst/>
-              </a:prstGeom>
-              <a:ln>
-                <a:tailEnd type="triangle"/>
-              </a:ln>
-            </p:spPr>
-            <p:style>
-              <a:lnRef idx="1">
-                <a:schemeClr val="accent1"/>
-              </a:lnRef>
-              <a:fillRef idx="0">
-                <a:schemeClr val="accent1"/>
-              </a:fillRef>
-              <a:effectRef idx="0">
-                <a:schemeClr val="accent1"/>
-              </a:effectRef>
-              <a:fontRef idx="minor">
-                <a:schemeClr val="tx1"/>
-              </a:fontRef>
-            </p:style>
-          </p:cxnSp>
-          <p:sp>
-            <p:nvSpPr>
-              <p:cNvPr id="15" name="Freeform 86">
-                <a:extLst>
-                  <a:ext uri="{FF2B5EF4-FFF2-40B4-BE49-F238E27FC236}">
-                    <a16:creationId xmlns:a16="http://schemas.microsoft.com/office/drawing/2014/main" id="{781CD2C2-01F0-480E-89EF-64705E651B9E}"/>
-                  </a:ext>
-                </a:extLst>
-              </p:cNvPr>
-              <p:cNvSpPr>
-                <a:spLocks noEditPoints="1"/>
-              </p:cNvSpPr>
-              <p:nvPr/>
-            </p:nvSpPr>
-            <p:spPr bwMode="auto">
-              <a:xfrm>
-                <a:off x="4570553" y="5755223"/>
-                <a:ext cx="662857" cy="926448"/>
-              </a:xfrm>
-              <a:custGeom>
-                <a:avLst/>
-                <a:gdLst>
-                  <a:gd name="T0" fmla="*/ 97 w 472"/>
-                  <a:gd name="T1" fmla="*/ 512 h 612"/>
-                  <a:gd name="T2" fmla="*/ 97 w 472"/>
-                  <a:gd name="T3" fmla="*/ 483 h 612"/>
-                  <a:gd name="T4" fmla="*/ 390 w 472"/>
-                  <a:gd name="T5" fmla="*/ 497 h 612"/>
-                  <a:gd name="T6" fmla="*/ 375 w 472"/>
-                  <a:gd name="T7" fmla="*/ 435 h 612"/>
-                  <a:gd name="T8" fmla="*/ 82 w 472"/>
-                  <a:gd name="T9" fmla="*/ 421 h 612"/>
-                  <a:gd name="T10" fmla="*/ 375 w 472"/>
-                  <a:gd name="T11" fmla="*/ 406 h 612"/>
-                  <a:gd name="T12" fmla="*/ 375 w 472"/>
-                  <a:gd name="T13" fmla="*/ 435 h 612"/>
-                  <a:gd name="T14" fmla="*/ 97 w 472"/>
-                  <a:gd name="T15" fmla="*/ 359 h 612"/>
-                  <a:gd name="T16" fmla="*/ 97 w 472"/>
-                  <a:gd name="T17" fmla="*/ 330 h 612"/>
-                  <a:gd name="T18" fmla="*/ 390 w 472"/>
-                  <a:gd name="T19" fmla="*/ 344 h 612"/>
-                  <a:gd name="T20" fmla="*/ 375 w 472"/>
-                  <a:gd name="T21" fmla="*/ 282 h 612"/>
-                  <a:gd name="T22" fmla="*/ 82 w 472"/>
-                  <a:gd name="T23" fmla="*/ 268 h 612"/>
-                  <a:gd name="T24" fmla="*/ 375 w 472"/>
-                  <a:gd name="T25" fmla="*/ 254 h 612"/>
-                  <a:gd name="T26" fmla="*/ 375 w 472"/>
-                  <a:gd name="T27" fmla="*/ 282 h 612"/>
-                  <a:gd name="T28" fmla="*/ 97 w 472"/>
-                  <a:gd name="T29" fmla="*/ 206 h 612"/>
-                  <a:gd name="T30" fmla="*/ 97 w 472"/>
-                  <a:gd name="T31" fmla="*/ 177 h 612"/>
-                  <a:gd name="T32" fmla="*/ 260 w 472"/>
-                  <a:gd name="T33" fmla="*/ 191 h 612"/>
-                  <a:gd name="T34" fmla="*/ 246 w 472"/>
-                  <a:gd name="T35" fmla="*/ 129 h 612"/>
-                  <a:gd name="T36" fmla="*/ 82 w 472"/>
-                  <a:gd name="T37" fmla="*/ 115 h 612"/>
-                  <a:gd name="T38" fmla="*/ 246 w 472"/>
-                  <a:gd name="T39" fmla="*/ 101 h 612"/>
-                  <a:gd name="T40" fmla="*/ 246 w 472"/>
-                  <a:gd name="T41" fmla="*/ 129 h 612"/>
-                  <a:gd name="T42" fmla="*/ 0 w 472"/>
-                  <a:gd name="T43" fmla="*/ 585 h 612"/>
-                  <a:gd name="T44" fmla="*/ 27 w 472"/>
-                  <a:gd name="T45" fmla="*/ 0 h 612"/>
-                  <a:gd name="T46" fmla="*/ 346 w 472"/>
-                  <a:gd name="T47" fmla="*/ 22 h 612"/>
-                  <a:gd name="T48" fmla="*/ 472 w 472"/>
-                  <a:gd name="T49" fmla="*/ 179 h 612"/>
-                  <a:gd name="T50" fmla="*/ 445 w 472"/>
-                  <a:gd name="T51" fmla="*/ 612 h 612"/>
-                  <a:gd name="T52" fmla="*/ 75 w 472"/>
-                  <a:gd name="T53" fmla="*/ 35 h 612"/>
-                  <a:gd name="T54" fmla="*/ 35 w 472"/>
-                  <a:gd name="T55" fmla="*/ 537 h 612"/>
-                  <a:gd name="T56" fmla="*/ 397 w 472"/>
-                  <a:gd name="T57" fmla="*/ 578 h 612"/>
-                  <a:gd name="T58" fmla="*/ 437 w 472"/>
-                  <a:gd name="T59" fmla="*/ 201 h 612"/>
-                  <a:gd name="T60" fmla="*/ 332 w 472"/>
-                  <a:gd name="T61" fmla="*/ 161 h 612"/>
-                  <a:gd name="T62" fmla="*/ 304 w 472"/>
-                  <a:gd name="T63" fmla="*/ 75 h 612"/>
-                  <a:gd name="T64" fmla="*/ 75 w 472"/>
-                  <a:gd name="T65" fmla="*/ 35 h 612"/>
-                </a:gdLst>
-                <a:ahLst/>
-                <a:cxnLst>
-                  <a:cxn ang="0">
-                    <a:pos x="T0" y="T1"/>
-                  </a:cxn>
-                  <a:cxn ang="0">
-                    <a:pos x="T2" y="T3"/>
-                  </a:cxn>
-                  <a:cxn ang="0">
-                    <a:pos x="T4" y="T5"/>
-                  </a:cxn>
-                  <a:cxn ang="0">
-                    <a:pos x="T6" y="T7"/>
-                  </a:cxn>
-                  <a:cxn ang="0">
-                    <a:pos x="T8" y="T9"/>
-                  </a:cxn>
-                  <a:cxn ang="0">
-                    <a:pos x="T10" y="T11"/>
-                  </a:cxn>
-                  <a:cxn ang="0">
-                    <a:pos x="T12" y="T13"/>
-                  </a:cxn>
-                  <a:cxn ang="0">
-                    <a:pos x="T14" y="T15"/>
-                  </a:cxn>
-                  <a:cxn ang="0">
-                    <a:pos x="T16" y="T17"/>
-                  </a:cxn>
-                  <a:cxn ang="0">
-                    <a:pos x="T18" y="T19"/>
-                  </a:cxn>
-                  <a:cxn ang="0">
-                    <a:pos x="T20" y="T21"/>
-                  </a:cxn>
-                  <a:cxn ang="0">
-                    <a:pos x="T22" y="T23"/>
-                  </a:cxn>
-                  <a:cxn ang="0">
-                    <a:pos x="T24" y="T25"/>
-                  </a:cxn>
-                  <a:cxn ang="0">
-                    <a:pos x="T26" y="T27"/>
-                  </a:cxn>
-                  <a:cxn ang="0">
-                    <a:pos x="T28" y="T29"/>
-                  </a:cxn>
-                  <a:cxn ang="0">
-                    <a:pos x="T30" y="T31"/>
-                  </a:cxn>
-                  <a:cxn ang="0">
-                    <a:pos x="T32" y="T33"/>
-                  </a:cxn>
-                  <a:cxn ang="0">
-                    <a:pos x="T34" y="T35"/>
-                  </a:cxn>
-                  <a:cxn ang="0">
-                    <a:pos x="T36" y="T37"/>
-                  </a:cxn>
-                  <a:cxn ang="0">
-                    <a:pos x="T38" y="T39"/>
-                  </a:cxn>
-                  <a:cxn ang="0">
-                    <a:pos x="T40" y="T41"/>
-                  </a:cxn>
-                  <a:cxn ang="0">
-                    <a:pos x="T42" y="T43"/>
-                  </a:cxn>
-                  <a:cxn ang="0">
-                    <a:pos x="T44" y="T45"/>
-                  </a:cxn>
-                  <a:cxn ang="0">
-                    <a:pos x="T46" y="T47"/>
-                  </a:cxn>
-                  <a:cxn ang="0">
-                    <a:pos x="T48" y="T49"/>
-                  </a:cxn>
-                  <a:cxn ang="0">
-                    <a:pos x="T50" y="T51"/>
-                  </a:cxn>
-                  <a:cxn ang="0">
-                    <a:pos x="T52" y="T53"/>
-                  </a:cxn>
-                  <a:cxn ang="0">
-                    <a:pos x="T54" y="T55"/>
-                  </a:cxn>
-                  <a:cxn ang="0">
-                    <a:pos x="T56" y="T57"/>
-                  </a:cxn>
-                  <a:cxn ang="0">
-                    <a:pos x="T58" y="T59"/>
-                  </a:cxn>
-                  <a:cxn ang="0">
-                    <a:pos x="T60" y="T61"/>
-                  </a:cxn>
-                  <a:cxn ang="0">
-                    <a:pos x="T62" y="T63"/>
-                  </a:cxn>
-                  <a:cxn ang="0">
-                    <a:pos x="T64" y="T65"/>
-                  </a:cxn>
-                </a:cxnLst>
-                <a:rect l="0" t="0" r="r" b="b"/>
-                <a:pathLst>
-                  <a:path w="472" h="612">
-                    <a:moveTo>
-                      <a:pt x="375" y="512"/>
-                    </a:moveTo>
-                    <a:cubicBezTo>
-                      <a:pt x="97" y="512"/>
-                      <a:pt x="97" y="512"/>
-                      <a:pt x="97" y="512"/>
-                    </a:cubicBezTo>
-                    <a:cubicBezTo>
-                      <a:pt x="89" y="512"/>
-                      <a:pt x="82" y="505"/>
-                      <a:pt x="82" y="497"/>
-                    </a:cubicBezTo>
-                    <a:cubicBezTo>
-                      <a:pt x="82" y="489"/>
-                      <a:pt x="89" y="483"/>
-                      <a:pt x="97" y="483"/>
-                    </a:cubicBezTo>
-                    <a:cubicBezTo>
-                      <a:pt x="375" y="483"/>
-                      <a:pt x="375" y="483"/>
-                      <a:pt x="375" y="483"/>
-                    </a:cubicBezTo>
-                    <a:cubicBezTo>
-                      <a:pt x="383" y="483"/>
-                      <a:pt x="390" y="489"/>
-                      <a:pt x="390" y="497"/>
-                    </a:cubicBezTo>
-                    <a:cubicBezTo>
-                      <a:pt x="390" y="505"/>
-                      <a:pt x="383" y="512"/>
-                      <a:pt x="375" y="512"/>
-                    </a:cubicBezTo>
-                    <a:close/>
-                    <a:moveTo>
-                      <a:pt x="375" y="435"/>
-                    </a:moveTo>
-                    <a:cubicBezTo>
-                      <a:pt x="97" y="435"/>
-                      <a:pt x="97" y="435"/>
-                      <a:pt x="97" y="435"/>
-                    </a:cubicBezTo>
-                    <a:cubicBezTo>
-                      <a:pt x="89" y="435"/>
-                      <a:pt x="82" y="429"/>
-                      <a:pt x="82" y="421"/>
-                    </a:cubicBezTo>
-                    <a:cubicBezTo>
-                      <a:pt x="82" y="413"/>
-                      <a:pt x="89" y="406"/>
-                      <a:pt x="97" y="406"/>
-                    </a:cubicBezTo>
-                    <a:cubicBezTo>
-                      <a:pt x="375" y="406"/>
-                      <a:pt x="375" y="406"/>
-                      <a:pt x="375" y="406"/>
-                    </a:cubicBezTo>
-                    <a:cubicBezTo>
-                      <a:pt x="383" y="406"/>
-                      <a:pt x="390" y="413"/>
-                      <a:pt x="390" y="421"/>
-                    </a:cubicBezTo>
-                    <a:cubicBezTo>
-                      <a:pt x="390" y="429"/>
-                      <a:pt x="383" y="435"/>
-                      <a:pt x="375" y="435"/>
-                    </a:cubicBezTo>
-                    <a:close/>
-                    <a:moveTo>
-                      <a:pt x="375" y="359"/>
-                    </a:moveTo>
-                    <a:cubicBezTo>
-                      <a:pt x="97" y="359"/>
-                      <a:pt x="97" y="359"/>
-                      <a:pt x="97" y="359"/>
-                    </a:cubicBezTo>
-                    <a:cubicBezTo>
-                      <a:pt x="89" y="359"/>
-                      <a:pt x="82" y="352"/>
-                      <a:pt x="82" y="344"/>
-                    </a:cubicBezTo>
-                    <a:cubicBezTo>
-                      <a:pt x="82" y="336"/>
-                      <a:pt x="89" y="330"/>
-                      <a:pt x="97" y="330"/>
-                    </a:cubicBezTo>
-                    <a:cubicBezTo>
-                      <a:pt x="375" y="330"/>
-                      <a:pt x="375" y="330"/>
-                      <a:pt x="375" y="330"/>
-                    </a:cubicBezTo>
-                    <a:cubicBezTo>
-                      <a:pt x="383" y="330"/>
-                      <a:pt x="390" y="336"/>
-                      <a:pt x="390" y="344"/>
-                    </a:cubicBezTo>
-                    <a:cubicBezTo>
-                      <a:pt x="390" y="352"/>
-                      <a:pt x="383" y="359"/>
-                      <a:pt x="375" y="359"/>
-                    </a:cubicBezTo>
-                    <a:close/>
-                    <a:moveTo>
-                      <a:pt x="375" y="282"/>
-                    </a:moveTo>
-                    <a:cubicBezTo>
-                      <a:pt x="97" y="282"/>
-                      <a:pt x="97" y="282"/>
-                      <a:pt x="97" y="282"/>
-                    </a:cubicBezTo>
-                    <a:cubicBezTo>
-                      <a:pt x="89" y="282"/>
-                      <a:pt x="82" y="276"/>
-                      <a:pt x="82" y="268"/>
-                    </a:cubicBezTo>
-                    <a:cubicBezTo>
-                      <a:pt x="82" y="260"/>
-                      <a:pt x="89" y="254"/>
-                      <a:pt x="97" y="254"/>
-                    </a:cubicBezTo>
-                    <a:cubicBezTo>
-                      <a:pt x="375" y="254"/>
-                      <a:pt x="375" y="254"/>
-                      <a:pt x="375" y="254"/>
-                    </a:cubicBezTo>
-                    <a:cubicBezTo>
-                      <a:pt x="383" y="254"/>
-                      <a:pt x="390" y="260"/>
-                      <a:pt x="390" y="268"/>
-                    </a:cubicBezTo>
-                    <a:cubicBezTo>
-                      <a:pt x="390" y="276"/>
-                      <a:pt x="383" y="282"/>
-                      <a:pt x="375" y="282"/>
-                    </a:cubicBezTo>
-                    <a:close/>
-                    <a:moveTo>
-                      <a:pt x="246" y="206"/>
-                    </a:moveTo>
-                    <a:cubicBezTo>
-                      <a:pt x="97" y="206"/>
-                      <a:pt x="97" y="206"/>
-                      <a:pt x="97" y="206"/>
-                    </a:cubicBezTo>
-                    <a:cubicBezTo>
-                      <a:pt x="89" y="206"/>
-                      <a:pt x="82" y="199"/>
-                      <a:pt x="82" y="191"/>
-                    </a:cubicBezTo>
-                    <a:cubicBezTo>
-                      <a:pt x="82" y="183"/>
-                      <a:pt x="89" y="177"/>
-                      <a:pt x="97" y="177"/>
-                    </a:cubicBezTo>
-                    <a:cubicBezTo>
-                      <a:pt x="246" y="177"/>
-                      <a:pt x="246" y="177"/>
-                      <a:pt x="246" y="177"/>
-                    </a:cubicBezTo>
-                    <a:cubicBezTo>
-                      <a:pt x="254" y="177"/>
-                      <a:pt x="260" y="183"/>
-                      <a:pt x="260" y="191"/>
-                    </a:cubicBezTo>
-                    <a:cubicBezTo>
-                      <a:pt x="260" y="199"/>
-                      <a:pt x="254" y="206"/>
-                      <a:pt x="246" y="206"/>
-                    </a:cubicBezTo>
-                    <a:close/>
-                    <a:moveTo>
-                      <a:pt x="246" y="129"/>
-                    </a:moveTo>
-                    <a:cubicBezTo>
-                      <a:pt x="97" y="129"/>
-                      <a:pt x="97" y="129"/>
-                      <a:pt x="97" y="129"/>
-                    </a:cubicBezTo>
-                    <a:cubicBezTo>
-                      <a:pt x="89" y="129"/>
-                      <a:pt x="82" y="123"/>
-                      <a:pt x="82" y="115"/>
-                    </a:cubicBezTo>
-                    <a:cubicBezTo>
-                      <a:pt x="82" y="107"/>
-                      <a:pt x="89" y="101"/>
-                      <a:pt x="97" y="101"/>
-                    </a:cubicBezTo>
-                    <a:cubicBezTo>
-                      <a:pt x="246" y="101"/>
-                      <a:pt x="246" y="101"/>
-                      <a:pt x="246" y="101"/>
-                    </a:cubicBezTo>
-                    <a:cubicBezTo>
-                      <a:pt x="254" y="101"/>
-                      <a:pt x="260" y="107"/>
-                      <a:pt x="260" y="115"/>
-                    </a:cubicBezTo>
-                    <a:cubicBezTo>
-                      <a:pt x="260" y="123"/>
-                      <a:pt x="254" y="129"/>
-                      <a:pt x="246" y="129"/>
-                    </a:cubicBezTo>
-                    <a:close/>
-                    <a:moveTo>
-                      <a:pt x="27" y="612"/>
-                    </a:moveTo>
-                    <a:cubicBezTo>
-                      <a:pt x="12" y="612"/>
-                      <a:pt x="0" y="600"/>
-                      <a:pt x="0" y="585"/>
-                    </a:cubicBezTo>
-                    <a:cubicBezTo>
-                      <a:pt x="0" y="27"/>
-                      <a:pt x="0" y="27"/>
-                      <a:pt x="0" y="27"/>
-                    </a:cubicBezTo>
-                    <a:cubicBezTo>
-                      <a:pt x="0" y="12"/>
-                      <a:pt x="12" y="0"/>
-                      <a:pt x="27" y="0"/>
-                    </a:cubicBezTo>
-                    <a:cubicBezTo>
-                      <a:pt x="293" y="0"/>
-                      <a:pt x="293" y="0"/>
-                      <a:pt x="293" y="0"/>
-                    </a:cubicBezTo>
-                    <a:cubicBezTo>
-                      <a:pt x="310" y="0"/>
-                      <a:pt x="334" y="10"/>
-                      <a:pt x="346" y="22"/>
-                    </a:cubicBezTo>
-                    <a:cubicBezTo>
-                      <a:pt x="450" y="126"/>
-                      <a:pt x="450" y="126"/>
-                      <a:pt x="450" y="126"/>
-                    </a:cubicBezTo>
-                    <a:cubicBezTo>
-                      <a:pt x="462" y="138"/>
-                      <a:pt x="472" y="162"/>
-                      <a:pt x="472" y="179"/>
-                    </a:cubicBezTo>
-                    <a:cubicBezTo>
-                      <a:pt x="472" y="585"/>
-                      <a:pt x="472" y="585"/>
-                      <a:pt x="472" y="585"/>
-                    </a:cubicBezTo>
-                    <a:cubicBezTo>
-                      <a:pt x="472" y="600"/>
-                      <a:pt x="460" y="612"/>
-                      <a:pt x="445" y="612"/>
-                    </a:cubicBezTo>
-                    <a:lnTo>
-                      <a:pt x="27" y="612"/>
-                    </a:lnTo>
-                    <a:close/>
-                    <a:moveTo>
-                      <a:pt x="75" y="35"/>
-                    </a:moveTo>
-                    <a:cubicBezTo>
-                      <a:pt x="53" y="35"/>
-                      <a:pt x="35" y="53"/>
-                      <a:pt x="35" y="75"/>
-                    </a:cubicBezTo>
-                    <a:cubicBezTo>
-                      <a:pt x="35" y="537"/>
-                      <a:pt x="35" y="537"/>
-                      <a:pt x="35" y="537"/>
-                    </a:cubicBezTo>
-                    <a:cubicBezTo>
-                      <a:pt x="35" y="560"/>
-                      <a:pt x="53" y="578"/>
-                      <a:pt x="75" y="578"/>
-                    </a:cubicBezTo>
-                    <a:cubicBezTo>
-                      <a:pt x="397" y="578"/>
-                      <a:pt x="397" y="578"/>
-                      <a:pt x="397" y="578"/>
-                    </a:cubicBezTo>
-                    <a:cubicBezTo>
-                      <a:pt x="419" y="578"/>
-                      <a:pt x="437" y="560"/>
-                      <a:pt x="437" y="537"/>
-                    </a:cubicBezTo>
-                    <a:cubicBezTo>
-                      <a:pt x="437" y="201"/>
-                      <a:pt x="437" y="201"/>
-                      <a:pt x="437" y="201"/>
-                    </a:cubicBezTo>
-                    <a:cubicBezTo>
-                      <a:pt x="437" y="179"/>
-                      <a:pt x="419" y="161"/>
-                      <a:pt x="397" y="161"/>
-                    </a:cubicBezTo>
-                    <a:cubicBezTo>
-                      <a:pt x="332" y="161"/>
-                      <a:pt x="332" y="161"/>
-                      <a:pt x="332" y="161"/>
-                    </a:cubicBezTo>
-                    <a:cubicBezTo>
-                      <a:pt x="317" y="161"/>
-                      <a:pt x="304" y="149"/>
-                      <a:pt x="304" y="134"/>
-                    </a:cubicBezTo>
-                    <a:cubicBezTo>
-                      <a:pt x="304" y="75"/>
-                      <a:pt x="304" y="75"/>
-                      <a:pt x="304" y="75"/>
-                    </a:cubicBezTo>
-                    <a:cubicBezTo>
-                      <a:pt x="304" y="53"/>
-                      <a:pt x="286" y="35"/>
-                      <a:pt x="264" y="35"/>
-                    </a:cubicBezTo>
-                    <a:lnTo>
-                      <a:pt x="75" y="35"/>
-                    </a:lnTo>
-                    <a:close/>
-                  </a:path>
-                </a:pathLst>
-              </a:custGeom>
+            <a:endParaRPr lang="en-US" sz="2200" dirty="0">
               <a:solidFill>
                 <a:srgbClr val="000000"/>
               </a:solidFill>
-              <a:ln>
-                <a:noFill/>
-              </a:ln>
-              <a:extLst>
-                <a:ext uri="{91240B29-F687-4F45-9708-019B960494DF}">
-                  <a14:hiddenLine xmlns:a14="http://schemas.microsoft.com/office/drawing/2010/main" w="9525">
-                    <a:solidFill>
-                      <a:srgbClr val="000000"/>
-                    </a:solidFill>
-                    <a:round/>
-                  </a14:hiddenLine>
-                </a:ext>
-              </a:extLst>
-            </p:spPr>
-            <p:txBody>
-              <a:bodyPr vert="horz" wrap="square" lIns="91440" tIns="45720" rIns="91440" bIns="45720" numCol="1" anchor="t" anchorCtr="0" compatLnSpc="1"/>
-              <a:lstStyle/>
-              <a:p>
-                <a:endParaRPr lang="en-US"/>
-              </a:p>
-            </p:txBody>
-          </p:sp>
-          <p:sp>
-            <p:nvSpPr>
-              <p:cNvPr id="16" name="TextBox 15">
-                <a:extLst>
-                  <a:ext uri="{FF2B5EF4-FFF2-40B4-BE49-F238E27FC236}">
-                    <a16:creationId xmlns:a16="http://schemas.microsoft.com/office/drawing/2014/main" id="{66372DC1-70F2-430A-BFFE-6D1A8C7E9674}"/>
-                  </a:ext>
-                </a:extLst>
-              </p:cNvPr>
-              <p:cNvSpPr txBox="1"/>
-              <p:nvPr/>
-            </p:nvSpPr>
-            <p:spPr>
-              <a:xfrm>
-                <a:off x="4381330" y="6722304"/>
-                <a:ext cx="1044132" cy="553999"/>
-              </a:xfrm>
-              <a:prstGeom prst="rect">
-                <a:avLst/>
-              </a:prstGeom>
-              <a:noFill/>
-            </p:spPr>
-            <p:txBody>
-              <a:bodyPr wrap="none" rtlCol="0">
-                <a:spAutoFit/>
-              </a:bodyPr>
-              <a:lstStyle/>
-              <a:p>
-                <a:r>
-                  <a:rPr lang="en-US" sz="1200" dirty="0"/>
-                  <a:t>Final cab data</a:t>
-                </a:r>
-              </a:p>
-              <a:p>
-                <a:endParaRPr lang="en-US" dirty="0"/>
-              </a:p>
-            </p:txBody>
-          </p:sp>
-        </p:grpSp>
-        <p:sp>
-          <p:nvSpPr>
-            <p:cNvPr id="7" name="Freeform 86">
-              <a:extLst>
-                <a:ext uri="{FF2B5EF4-FFF2-40B4-BE49-F238E27FC236}">
-                  <a16:creationId xmlns:a16="http://schemas.microsoft.com/office/drawing/2014/main" id="{F6BA0A3B-91C0-47E7-BCB7-CE8D29257042}"/>
-                </a:ext>
-              </a:extLst>
-            </p:cNvPr>
-            <p:cNvSpPr>
-              <a:spLocks noEditPoints="1"/>
-            </p:cNvSpPr>
-            <p:nvPr/>
-          </p:nvSpPr>
-          <p:spPr bwMode="auto">
-            <a:xfrm>
-              <a:off x="11022371" y="1858363"/>
-              <a:ext cx="662857" cy="819372"/>
-            </a:xfrm>
-            <a:custGeom>
-              <a:avLst/>
-              <a:gdLst>
-                <a:gd name="T0" fmla="*/ 97 w 472"/>
-                <a:gd name="T1" fmla="*/ 512 h 612"/>
-                <a:gd name="T2" fmla="*/ 97 w 472"/>
-                <a:gd name="T3" fmla="*/ 483 h 612"/>
-                <a:gd name="T4" fmla="*/ 390 w 472"/>
-                <a:gd name="T5" fmla="*/ 497 h 612"/>
-                <a:gd name="T6" fmla="*/ 375 w 472"/>
-                <a:gd name="T7" fmla="*/ 435 h 612"/>
-                <a:gd name="T8" fmla="*/ 82 w 472"/>
-                <a:gd name="T9" fmla="*/ 421 h 612"/>
-                <a:gd name="T10" fmla="*/ 375 w 472"/>
-                <a:gd name="T11" fmla="*/ 406 h 612"/>
-                <a:gd name="T12" fmla="*/ 375 w 472"/>
-                <a:gd name="T13" fmla="*/ 435 h 612"/>
-                <a:gd name="T14" fmla="*/ 97 w 472"/>
-                <a:gd name="T15" fmla="*/ 359 h 612"/>
-                <a:gd name="T16" fmla="*/ 97 w 472"/>
-                <a:gd name="T17" fmla="*/ 330 h 612"/>
-                <a:gd name="T18" fmla="*/ 390 w 472"/>
-                <a:gd name="T19" fmla="*/ 344 h 612"/>
-                <a:gd name="T20" fmla="*/ 375 w 472"/>
-                <a:gd name="T21" fmla="*/ 282 h 612"/>
-                <a:gd name="T22" fmla="*/ 82 w 472"/>
-                <a:gd name="T23" fmla="*/ 268 h 612"/>
-                <a:gd name="T24" fmla="*/ 375 w 472"/>
-                <a:gd name="T25" fmla="*/ 254 h 612"/>
-                <a:gd name="T26" fmla="*/ 375 w 472"/>
-                <a:gd name="T27" fmla="*/ 282 h 612"/>
-                <a:gd name="T28" fmla="*/ 97 w 472"/>
-                <a:gd name="T29" fmla="*/ 206 h 612"/>
-                <a:gd name="T30" fmla="*/ 97 w 472"/>
-                <a:gd name="T31" fmla="*/ 177 h 612"/>
-                <a:gd name="T32" fmla="*/ 260 w 472"/>
-                <a:gd name="T33" fmla="*/ 191 h 612"/>
-                <a:gd name="T34" fmla="*/ 246 w 472"/>
-                <a:gd name="T35" fmla="*/ 129 h 612"/>
-                <a:gd name="T36" fmla="*/ 82 w 472"/>
-                <a:gd name="T37" fmla="*/ 115 h 612"/>
-                <a:gd name="T38" fmla="*/ 246 w 472"/>
-                <a:gd name="T39" fmla="*/ 101 h 612"/>
-                <a:gd name="T40" fmla="*/ 246 w 472"/>
-                <a:gd name="T41" fmla="*/ 129 h 612"/>
-                <a:gd name="T42" fmla="*/ 0 w 472"/>
-                <a:gd name="T43" fmla="*/ 585 h 612"/>
-                <a:gd name="T44" fmla="*/ 27 w 472"/>
-                <a:gd name="T45" fmla="*/ 0 h 612"/>
-                <a:gd name="T46" fmla="*/ 346 w 472"/>
-                <a:gd name="T47" fmla="*/ 22 h 612"/>
-                <a:gd name="T48" fmla="*/ 472 w 472"/>
-                <a:gd name="T49" fmla="*/ 179 h 612"/>
-                <a:gd name="T50" fmla="*/ 445 w 472"/>
-                <a:gd name="T51" fmla="*/ 612 h 612"/>
-                <a:gd name="T52" fmla="*/ 75 w 472"/>
-                <a:gd name="T53" fmla="*/ 35 h 612"/>
-                <a:gd name="T54" fmla="*/ 35 w 472"/>
-                <a:gd name="T55" fmla="*/ 537 h 612"/>
-                <a:gd name="T56" fmla="*/ 397 w 472"/>
-                <a:gd name="T57" fmla="*/ 578 h 612"/>
-                <a:gd name="T58" fmla="*/ 437 w 472"/>
-                <a:gd name="T59" fmla="*/ 201 h 612"/>
-                <a:gd name="T60" fmla="*/ 332 w 472"/>
-                <a:gd name="T61" fmla="*/ 161 h 612"/>
-                <a:gd name="T62" fmla="*/ 304 w 472"/>
-                <a:gd name="T63" fmla="*/ 75 h 612"/>
-                <a:gd name="T64" fmla="*/ 75 w 472"/>
-                <a:gd name="T65" fmla="*/ 35 h 612"/>
-              </a:gdLst>
-              <a:ahLst/>
-              <a:cxnLst>
-                <a:cxn ang="0">
-                  <a:pos x="T0" y="T1"/>
-                </a:cxn>
-                <a:cxn ang="0">
-                  <a:pos x="T2" y="T3"/>
-                </a:cxn>
-                <a:cxn ang="0">
-                  <a:pos x="T4" y="T5"/>
-                </a:cxn>
-                <a:cxn ang="0">
-                  <a:pos x="T6" y="T7"/>
-                </a:cxn>
-                <a:cxn ang="0">
-                  <a:pos x="T8" y="T9"/>
-                </a:cxn>
-                <a:cxn ang="0">
-                  <a:pos x="T10" y="T11"/>
-                </a:cxn>
-                <a:cxn ang="0">
-                  <a:pos x="T12" y="T13"/>
-                </a:cxn>
-                <a:cxn ang="0">
-                  <a:pos x="T14" y="T15"/>
-                </a:cxn>
-                <a:cxn ang="0">
-                  <a:pos x="T16" y="T17"/>
-                </a:cxn>
-                <a:cxn ang="0">
-                  <a:pos x="T18" y="T19"/>
-                </a:cxn>
-                <a:cxn ang="0">
-                  <a:pos x="T20" y="T21"/>
-                </a:cxn>
-                <a:cxn ang="0">
-                  <a:pos x="T22" y="T23"/>
-                </a:cxn>
-                <a:cxn ang="0">
-                  <a:pos x="T24" y="T25"/>
-                </a:cxn>
-                <a:cxn ang="0">
-                  <a:pos x="T26" y="T27"/>
-                </a:cxn>
-                <a:cxn ang="0">
-                  <a:pos x="T28" y="T29"/>
-                </a:cxn>
-                <a:cxn ang="0">
-                  <a:pos x="T30" y="T31"/>
-                </a:cxn>
-                <a:cxn ang="0">
-                  <a:pos x="T32" y="T33"/>
-                </a:cxn>
-                <a:cxn ang="0">
-                  <a:pos x="T34" y="T35"/>
-                </a:cxn>
-                <a:cxn ang="0">
-                  <a:pos x="T36" y="T37"/>
-                </a:cxn>
-                <a:cxn ang="0">
-                  <a:pos x="T38" y="T39"/>
-                </a:cxn>
-                <a:cxn ang="0">
-                  <a:pos x="T40" y="T41"/>
-                </a:cxn>
-                <a:cxn ang="0">
-                  <a:pos x="T42" y="T43"/>
-                </a:cxn>
-                <a:cxn ang="0">
-                  <a:pos x="T44" y="T45"/>
-                </a:cxn>
-                <a:cxn ang="0">
-                  <a:pos x="T46" y="T47"/>
-                </a:cxn>
-                <a:cxn ang="0">
-                  <a:pos x="T48" y="T49"/>
-                </a:cxn>
-                <a:cxn ang="0">
-                  <a:pos x="T50" y="T51"/>
-                </a:cxn>
-                <a:cxn ang="0">
-                  <a:pos x="T52" y="T53"/>
-                </a:cxn>
-                <a:cxn ang="0">
-                  <a:pos x="T54" y="T55"/>
-                </a:cxn>
-                <a:cxn ang="0">
-                  <a:pos x="T56" y="T57"/>
-                </a:cxn>
-                <a:cxn ang="0">
-                  <a:pos x="T58" y="T59"/>
-                </a:cxn>
-                <a:cxn ang="0">
-                  <a:pos x="T60" y="T61"/>
-                </a:cxn>
-                <a:cxn ang="0">
-                  <a:pos x="T62" y="T63"/>
-                </a:cxn>
-                <a:cxn ang="0">
-                  <a:pos x="T64" y="T65"/>
-                </a:cxn>
-              </a:cxnLst>
-              <a:rect l="0" t="0" r="r" b="b"/>
-              <a:pathLst>
-                <a:path w="472" h="612">
-                  <a:moveTo>
-                    <a:pt x="375" y="512"/>
-                  </a:moveTo>
-                  <a:cubicBezTo>
-                    <a:pt x="97" y="512"/>
-                    <a:pt x="97" y="512"/>
-                    <a:pt x="97" y="512"/>
-                  </a:cubicBezTo>
-                  <a:cubicBezTo>
-                    <a:pt x="89" y="512"/>
-                    <a:pt x="82" y="505"/>
-                    <a:pt x="82" y="497"/>
-                  </a:cubicBezTo>
-                  <a:cubicBezTo>
-                    <a:pt x="82" y="489"/>
-                    <a:pt x="89" y="483"/>
-                    <a:pt x="97" y="483"/>
-                  </a:cubicBezTo>
-                  <a:cubicBezTo>
-                    <a:pt x="375" y="483"/>
-                    <a:pt x="375" y="483"/>
-                    <a:pt x="375" y="483"/>
-                  </a:cubicBezTo>
-                  <a:cubicBezTo>
-                    <a:pt x="383" y="483"/>
-                    <a:pt x="390" y="489"/>
-                    <a:pt x="390" y="497"/>
-                  </a:cubicBezTo>
-                  <a:cubicBezTo>
-                    <a:pt x="390" y="505"/>
-                    <a:pt x="383" y="512"/>
-                    <a:pt x="375" y="512"/>
-                  </a:cubicBezTo>
-                  <a:close/>
-                  <a:moveTo>
-                    <a:pt x="375" y="435"/>
-                  </a:moveTo>
-                  <a:cubicBezTo>
-                    <a:pt x="97" y="435"/>
-                    <a:pt x="97" y="435"/>
-                    <a:pt x="97" y="435"/>
-                  </a:cubicBezTo>
-                  <a:cubicBezTo>
-                    <a:pt x="89" y="435"/>
-                    <a:pt x="82" y="429"/>
-                    <a:pt x="82" y="421"/>
-                  </a:cubicBezTo>
-                  <a:cubicBezTo>
-                    <a:pt x="82" y="413"/>
-                    <a:pt x="89" y="406"/>
-                    <a:pt x="97" y="406"/>
-                  </a:cubicBezTo>
-                  <a:cubicBezTo>
-                    <a:pt x="375" y="406"/>
-                    <a:pt x="375" y="406"/>
-                    <a:pt x="375" y="406"/>
-                  </a:cubicBezTo>
-                  <a:cubicBezTo>
-                    <a:pt x="383" y="406"/>
-                    <a:pt x="390" y="413"/>
-                    <a:pt x="390" y="421"/>
-                  </a:cubicBezTo>
-                  <a:cubicBezTo>
-                    <a:pt x="390" y="429"/>
-                    <a:pt x="383" y="435"/>
-                    <a:pt x="375" y="435"/>
-                  </a:cubicBezTo>
-                  <a:close/>
-                  <a:moveTo>
-                    <a:pt x="375" y="359"/>
-                  </a:moveTo>
-                  <a:cubicBezTo>
-                    <a:pt x="97" y="359"/>
-                    <a:pt x="97" y="359"/>
-                    <a:pt x="97" y="359"/>
-                  </a:cubicBezTo>
-                  <a:cubicBezTo>
-                    <a:pt x="89" y="359"/>
-                    <a:pt x="82" y="352"/>
-                    <a:pt x="82" y="344"/>
-                  </a:cubicBezTo>
-                  <a:cubicBezTo>
-                    <a:pt x="82" y="336"/>
-                    <a:pt x="89" y="330"/>
-                    <a:pt x="97" y="330"/>
-                  </a:cubicBezTo>
-                  <a:cubicBezTo>
-                    <a:pt x="375" y="330"/>
-                    <a:pt x="375" y="330"/>
-                    <a:pt x="375" y="330"/>
-                  </a:cubicBezTo>
-                  <a:cubicBezTo>
-                    <a:pt x="383" y="330"/>
-                    <a:pt x="390" y="336"/>
-                    <a:pt x="390" y="344"/>
-                  </a:cubicBezTo>
-                  <a:cubicBezTo>
-                    <a:pt x="390" y="352"/>
-                    <a:pt x="383" y="359"/>
-                    <a:pt x="375" y="359"/>
-                  </a:cubicBezTo>
-                  <a:close/>
-                  <a:moveTo>
-                    <a:pt x="375" y="282"/>
-                  </a:moveTo>
-                  <a:cubicBezTo>
-                    <a:pt x="97" y="282"/>
-                    <a:pt x="97" y="282"/>
-                    <a:pt x="97" y="282"/>
-                  </a:cubicBezTo>
-                  <a:cubicBezTo>
-                    <a:pt x="89" y="282"/>
-                    <a:pt x="82" y="276"/>
-                    <a:pt x="82" y="268"/>
-                  </a:cubicBezTo>
-                  <a:cubicBezTo>
-                    <a:pt x="82" y="260"/>
-                    <a:pt x="89" y="254"/>
-                    <a:pt x="97" y="254"/>
-                  </a:cubicBezTo>
-                  <a:cubicBezTo>
-                    <a:pt x="375" y="254"/>
-                    <a:pt x="375" y="254"/>
-                    <a:pt x="375" y="254"/>
-                  </a:cubicBezTo>
-                  <a:cubicBezTo>
-                    <a:pt x="383" y="254"/>
-                    <a:pt x="390" y="260"/>
-                    <a:pt x="390" y="268"/>
-                  </a:cubicBezTo>
-                  <a:cubicBezTo>
-                    <a:pt x="390" y="276"/>
-                    <a:pt x="383" y="282"/>
-                    <a:pt x="375" y="282"/>
-                  </a:cubicBezTo>
-                  <a:close/>
-                  <a:moveTo>
-                    <a:pt x="246" y="206"/>
-                  </a:moveTo>
-                  <a:cubicBezTo>
-                    <a:pt x="97" y="206"/>
-                    <a:pt x="97" y="206"/>
-                    <a:pt x="97" y="206"/>
-                  </a:cubicBezTo>
-                  <a:cubicBezTo>
-                    <a:pt x="89" y="206"/>
-                    <a:pt x="82" y="199"/>
-                    <a:pt x="82" y="191"/>
-                  </a:cubicBezTo>
-                  <a:cubicBezTo>
-                    <a:pt x="82" y="183"/>
-                    <a:pt x="89" y="177"/>
-                    <a:pt x="97" y="177"/>
-                  </a:cubicBezTo>
-                  <a:cubicBezTo>
-                    <a:pt x="246" y="177"/>
-                    <a:pt x="246" y="177"/>
-                    <a:pt x="246" y="177"/>
-                  </a:cubicBezTo>
-                  <a:cubicBezTo>
-                    <a:pt x="254" y="177"/>
-                    <a:pt x="260" y="183"/>
-                    <a:pt x="260" y="191"/>
-                  </a:cubicBezTo>
-                  <a:cubicBezTo>
-                    <a:pt x="260" y="199"/>
-                    <a:pt x="254" y="206"/>
-                    <a:pt x="246" y="206"/>
-                  </a:cubicBezTo>
-                  <a:close/>
-                  <a:moveTo>
-                    <a:pt x="246" y="129"/>
-                  </a:moveTo>
-                  <a:cubicBezTo>
-                    <a:pt x="97" y="129"/>
-                    <a:pt x="97" y="129"/>
-                    <a:pt x="97" y="129"/>
-                  </a:cubicBezTo>
-                  <a:cubicBezTo>
-                    <a:pt x="89" y="129"/>
-                    <a:pt x="82" y="123"/>
-                    <a:pt x="82" y="115"/>
-                  </a:cubicBezTo>
-                  <a:cubicBezTo>
-                    <a:pt x="82" y="107"/>
-                    <a:pt x="89" y="101"/>
-                    <a:pt x="97" y="101"/>
-                  </a:cubicBezTo>
-                  <a:cubicBezTo>
-                    <a:pt x="246" y="101"/>
-                    <a:pt x="246" y="101"/>
-                    <a:pt x="246" y="101"/>
-                  </a:cubicBezTo>
-                  <a:cubicBezTo>
-                    <a:pt x="254" y="101"/>
-                    <a:pt x="260" y="107"/>
-                    <a:pt x="260" y="115"/>
-                  </a:cubicBezTo>
-                  <a:cubicBezTo>
-                    <a:pt x="260" y="123"/>
-                    <a:pt x="254" y="129"/>
-                    <a:pt x="246" y="129"/>
-                  </a:cubicBezTo>
-                  <a:close/>
-                  <a:moveTo>
-                    <a:pt x="27" y="612"/>
-                  </a:moveTo>
-                  <a:cubicBezTo>
-                    <a:pt x="12" y="612"/>
-                    <a:pt x="0" y="600"/>
-                    <a:pt x="0" y="585"/>
-                  </a:cubicBezTo>
-                  <a:cubicBezTo>
-                    <a:pt x="0" y="27"/>
-                    <a:pt x="0" y="27"/>
-                    <a:pt x="0" y="27"/>
-                  </a:cubicBezTo>
-                  <a:cubicBezTo>
-                    <a:pt x="0" y="12"/>
-                    <a:pt x="12" y="0"/>
-                    <a:pt x="27" y="0"/>
-                  </a:cubicBezTo>
-                  <a:cubicBezTo>
-                    <a:pt x="293" y="0"/>
-                    <a:pt x="293" y="0"/>
-                    <a:pt x="293" y="0"/>
-                  </a:cubicBezTo>
-                  <a:cubicBezTo>
-                    <a:pt x="310" y="0"/>
-                    <a:pt x="334" y="10"/>
-                    <a:pt x="346" y="22"/>
-                  </a:cubicBezTo>
-                  <a:cubicBezTo>
-                    <a:pt x="450" y="126"/>
-                    <a:pt x="450" y="126"/>
-                    <a:pt x="450" y="126"/>
-                  </a:cubicBezTo>
-                  <a:cubicBezTo>
-                    <a:pt x="462" y="138"/>
-                    <a:pt x="472" y="162"/>
-                    <a:pt x="472" y="179"/>
-                  </a:cubicBezTo>
-                  <a:cubicBezTo>
-                    <a:pt x="472" y="585"/>
-                    <a:pt x="472" y="585"/>
-                    <a:pt x="472" y="585"/>
-                  </a:cubicBezTo>
-                  <a:cubicBezTo>
-                    <a:pt x="472" y="600"/>
-                    <a:pt x="460" y="612"/>
-                    <a:pt x="445" y="612"/>
-                  </a:cubicBezTo>
-                  <a:lnTo>
-                    <a:pt x="27" y="612"/>
-                  </a:lnTo>
-                  <a:close/>
-                  <a:moveTo>
-                    <a:pt x="75" y="35"/>
-                  </a:moveTo>
-                  <a:cubicBezTo>
-                    <a:pt x="53" y="35"/>
-                    <a:pt x="35" y="53"/>
-                    <a:pt x="35" y="75"/>
-                  </a:cubicBezTo>
-                  <a:cubicBezTo>
-                    <a:pt x="35" y="537"/>
-                    <a:pt x="35" y="537"/>
-                    <a:pt x="35" y="537"/>
-                  </a:cubicBezTo>
-                  <a:cubicBezTo>
-                    <a:pt x="35" y="560"/>
-                    <a:pt x="53" y="578"/>
-                    <a:pt x="75" y="578"/>
-                  </a:cubicBezTo>
-                  <a:cubicBezTo>
-                    <a:pt x="397" y="578"/>
-                    <a:pt x="397" y="578"/>
-                    <a:pt x="397" y="578"/>
-                  </a:cubicBezTo>
-                  <a:cubicBezTo>
-                    <a:pt x="419" y="578"/>
-                    <a:pt x="437" y="560"/>
-                    <a:pt x="437" y="537"/>
-                  </a:cubicBezTo>
-                  <a:cubicBezTo>
-                    <a:pt x="437" y="201"/>
-                    <a:pt x="437" y="201"/>
-                    <a:pt x="437" y="201"/>
-                  </a:cubicBezTo>
-                  <a:cubicBezTo>
-                    <a:pt x="437" y="179"/>
-                    <a:pt x="419" y="161"/>
-                    <a:pt x="397" y="161"/>
-                  </a:cubicBezTo>
-                  <a:cubicBezTo>
-                    <a:pt x="332" y="161"/>
-                    <a:pt x="332" y="161"/>
-                    <a:pt x="332" y="161"/>
-                  </a:cubicBezTo>
-                  <a:cubicBezTo>
-                    <a:pt x="317" y="161"/>
-                    <a:pt x="304" y="149"/>
-                    <a:pt x="304" y="134"/>
-                  </a:cubicBezTo>
-                  <a:cubicBezTo>
-                    <a:pt x="304" y="75"/>
-                    <a:pt x="304" y="75"/>
-                    <a:pt x="304" y="75"/>
-                  </a:cubicBezTo>
-                  <a:cubicBezTo>
-                    <a:pt x="304" y="53"/>
-                    <a:pt x="286" y="35"/>
-                    <a:pt x="264" y="35"/>
-                  </a:cubicBezTo>
-                  <a:lnTo>
-                    <a:pt x="75" y="35"/>
-                  </a:lnTo>
-                  <a:close/>
-                </a:path>
-              </a:pathLst>
-            </a:custGeom>
-            <a:solidFill>
-              <a:srgbClr val="000000"/>
-            </a:solidFill>
-            <a:ln>
-              <a:noFill/>
-            </a:ln>
-            <a:extLst>
-              <a:ext uri="{91240B29-F687-4F45-9708-019B960494DF}">
-                <a14:hiddenLine xmlns:a14="http://schemas.microsoft.com/office/drawing/2010/main" w="9525">
-                  <a:solidFill>
-                    <a:srgbClr val="000000"/>
-                  </a:solidFill>
-                  <a:round/>
-                </a14:hiddenLine>
-              </a:ext>
-            </a:extLst>
-          </p:spPr>
-          <p:txBody>
-            <a:bodyPr vert="horz" wrap="square" lIns="91440" tIns="45720" rIns="91440" bIns="45720" numCol="1" anchor="t" anchorCtr="0" compatLnSpc="1"/>
-            <a:lstStyle/>
-            <a:p>
-              <a:endParaRPr lang="en-US"/>
-            </a:p>
-          </p:txBody>
-        </p:sp>
-        <p:sp>
-          <p:nvSpPr>
-            <p:cNvPr id="8" name="TextBox 7">
-              <a:extLst>
-                <a:ext uri="{FF2B5EF4-FFF2-40B4-BE49-F238E27FC236}">
-                  <a16:creationId xmlns:a16="http://schemas.microsoft.com/office/drawing/2014/main" id="{23AA281E-AAC9-4A93-B2E3-538FE2347779}"/>
-                </a:ext>
-              </a:extLst>
-            </p:cNvPr>
-            <p:cNvSpPr txBox="1"/>
-            <p:nvPr/>
-          </p:nvSpPr>
-          <p:spPr>
-            <a:xfrm>
-              <a:off x="10915652" y="2887014"/>
-              <a:ext cx="1028551" cy="276999"/>
-            </a:xfrm>
-            <a:prstGeom prst="rect">
-              <a:avLst/>
-            </a:prstGeom>
-            <a:noFill/>
-          </p:spPr>
-          <p:txBody>
-            <a:bodyPr wrap="none" rtlCol="0">
-              <a:spAutoFit/>
-            </a:bodyPr>
-            <a:lstStyle/>
-            <a:p>
-              <a:r>
-                <a:rPr lang="en-US" sz="1200" dirty="0"/>
-                <a:t>USholiday.csv</a:t>
-              </a:r>
-            </a:p>
-          </p:txBody>
-        </p:sp>
-        <p:cxnSp>
-          <p:nvCxnSpPr>
-            <p:cNvPr id="9" name="Straight Arrow Connector 8">
-              <a:extLst>
-                <a:ext uri="{FF2B5EF4-FFF2-40B4-BE49-F238E27FC236}">
-                  <a16:creationId xmlns:a16="http://schemas.microsoft.com/office/drawing/2014/main" id="{65F9EF2F-97EB-4756-B771-706B1567879D}"/>
-                </a:ext>
-              </a:extLst>
-            </p:cNvPr>
-            <p:cNvCxnSpPr>
-              <a:cxnSpLocks/>
-              <a:stCxn id="7" idx="21"/>
-            </p:cNvCxnSpPr>
-            <p:nvPr/>
-          </p:nvCxnSpPr>
-          <p:spPr>
-            <a:xfrm flipH="1">
-              <a:off x="9253669" y="2641586"/>
-              <a:ext cx="1768702" cy="1328012"/>
-            </a:xfrm>
-            <a:prstGeom prst="straightConnector1">
-              <a:avLst/>
-            </a:prstGeom>
-            <a:ln>
-              <a:tailEnd type="triangle"/>
-            </a:ln>
-          </p:spPr>
-          <p:style>
-            <a:lnRef idx="1">
-              <a:schemeClr val="accent1"/>
-            </a:lnRef>
-            <a:fillRef idx="0">
-              <a:schemeClr val="accent1"/>
-            </a:fillRef>
-            <a:effectRef idx="0">
-              <a:schemeClr val="accent1"/>
-            </a:effectRef>
-            <a:fontRef idx="minor">
-              <a:schemeClr val="tx1"/>
-            </a:fontRef>
-          </p:style>
-        </p:cxnSp>
-      </p:grpSp>
+              <a:latin typeface="Helvetica Neue"/>
+            </a:endParaRPr>
+          </a:p>
+          <a:p>
+            <a:r>
+              <a:rPr lang="en-US" sz="2200" dirty="0">
+                <a:solidFill>
+                  <a:srgbClr val="000000"/>
+                </a:solidFill>
+              </a:rPr>
+              <a:t>Cab_Data.csv, Customer_ID.csv, Transaction_ID.csv, City.csv and USholiday.csv merge into a Final </a:t>
+            </a:r>
+            <a:r>
+              <a:rPr lang="en-US" sz="2200" dirty="0" err="1">
+                <a:solidFill>
+                  <a:srgbClr val="000000"/>
+                </a:solidFill>
+              </a:rPr>
+              <a:t>dataframe</a:t>
+            </a:r>
+            <a:r>
+              <a:rPr lang="en-US" sz="2200" dirty="0">
+                <a:solidFill>
+                  <a:srgbClr val="000000"/>
+                </a:solidFill>
+              </a:rPr>
+              <a:t>.</a:t>
+            </a:r>
+            <a:endParaRPr lang="en-US" sz="2200" dirty="0"/>
+          </a:p>
+        </p:txBody>
+      </p:sp>
     </p:spTree>
     <p:extLst>
       <p:ext uri="{BB962C8B-B14F-4D97-AF65-F5344CB8AC3E}">
@@ -10642,13 +6998,13 @@
           <p:nvPr>
             <p:extLst>
               <p:ext uri="{D42A27DB-BD31-4B8C-83A1-F6EECF244321}">
-                <p14:modId xmlns:p14="http://schemas.microsoft.com/office/powerpoint/2010/main" val="79511191"/>
+                <p14:modId xmlns:p14="http://schemas.microsoft.com/office/powerpoint/2010/main" val="3328221903"/>
               </p:ext>
             </p:extLst>
           </p:nvPr>
         </p:nvGraphicFramePr>
         <p:xfrm>
-          <a:off x="731157" y="5536595"/>
+          <a:off x="3138714" y="5517934"/>
           <a:ext cx="5914572" cy="1112520"/>
         </p:xfrm>
         <a:graphic>
